--- a/ICM Fundraising Review_Cal 20170609.pptx
+++ b/ICM Fundraising Review_Cal 20170609.pptx
@@ -119,7 +119,7 @@
   </p:defaultTextStyle>
   <p:extLst>
     <p:ext uri="{EFAFB233-063F-42B5-8137-9DF3F51BA10A}">
-      <p15:sldGuideLst xmlns:p15="http://schemas.microsoft.com/office/powerpoint/2012/main" xmlns="">
+      <p15:sldGuideLst xmlns:p15="http://schemas.microsoft.com/office/powerpoint/2012/main">
         <p15:guide id="1" orient="horz" pos="2160">
           <p15:clr>
             <a:srgbClr val="A4A3A4"/>
@@ -134,6 +134,10 @@
     </p:ext>
   </p:extLst>
 </p:presentation>
+</file>
+
+<file path=ppt/revisionInfo.xml><?xml version="1.0" encoding="utf-8"?>
+<p1510:revInfo xmlns:a="http://schemas.openxmlformats.org/drawingml/2006/main" xmlns:r="http://schemas.openxmlformats.org/officeDocument/2006/relationships" xmlns:p1510="http://schemas.microsoft.com/office/powerpoint/2015/10/main"/>
 </file>
 
 <file path=ppt/notesMasters/notesMaster1.xml><?xml version="1.0" encoding="utf-8"?>
@@ -218,7 +222,7 @@
           <a:p>
             <a:fld id="{B89B73E9-097E-5A42-9A3B-65D69281BD52}" type="datetimeFigureOut">
               <a:rPr lang="en-US" smtClean="0"/>
-              <a:t>9/6/17</a:t>
+              <a:t>12/19/2017</a:t>
             </a:fld>
             <a:endParaRPr lang="en-US"/>
           </a:p>
@@ -282,38 +286,37 @@
           <a:p>
             <a:pPr lvl="0"/>
             <a:r>
-              <a:rPr lang="en-US" smtClean="0"/>
+              <a:rPr lang="en-US"/>
               <a:t>Click to edit Master text styles</a:t>
             </a:r>
           </a:p>
           <a:p>
             <a:pPr lvl="1"/>
             <a:r>
-              <a:rPr lang="en-US" smtClean="0"/>
+              <a:rPr lang="en-US"/>
               <a:t>Second level</a:t>
             </a:r>
           </a:p>
           <a:p>
             <a:pPr lvl="2"/>
             <a:r>
-              <a:rPr lang="en-US" smtClean="0"/>
+              <a:rPr lang="en-US"/>
               <a:t>Third level</a:t>
             </a:r>
           </a:p>
           <a:p>
             <a:pPr lvl="3"/>
             <a:r>
-              <a:rPr lang="en-US" smtClean="0"/>
+              <a:rPr lang="en-US"/>
               <a:t>Fourth level</a:t>
             </a:r>
           </a:p>
           <a:p>
             <a:pPr lvl="4"/>
             <a:r>
-              <a:rPr lang="en-US" smtClean="0"/>
+              <a:rPr lang="en-US"/>
               <a:t>Fifth level</a:t>
             </a:r>
-            <a:endParaRPr lang="en-US"/>
           </a:p>
         </p:txBody>
       </p:sp>
@@ -620,7 +623,7 @@
           <a:lstStyle/>
           <a:p>
             <a:r>
-              <a:rPr lang="en-US" dirty="0" smtClean="0"/>
+              <a:rPr lang="en-US" dirty="0"/>
               <a:t>New slide for newly acquired</a:t>
             </a:r>
           </a:p>
@@ -630,7 +633,7 @@
               <a:buChar char="-"/>
             </a:pPr>
             <a:r>
-              <a:rPr lang="en-US" dirty="0" smtClean="0"/>
+              <a:rPr lang="en-US" dirty="0"/>
               <a:t>How much did they gave</a:t>
             </a:r>
           </a:p>
@@ -640,7 +643,7 @@
               <a:buChar char="-"/>
             </a:pPr>
             <a:r>
-              <a:rPr lang="en-US" dirty="0" smtClean="0"/>
+              <a:rPr lang="en-US" dirty="0"/>
               <a:t>How many</a:t>
             </a:r>
           </a:p>
@@ -650,23 +653,22 @@
               <a:buChar char="-"/>
             </a:pPr>
             <a:r>
-              <a:rPr lang="en-US" dirty="0" smtClean="0"/>
+              <a:rPr lang="en-US" dirty="0"/>
               <a:t>Did they give again</a:t>
             </a:r>
           </a:p>
           <a:p>
-            <a:endParaRPr lang="en-US" dirty="0" smtClean="0"/>
-          </a:p>
-          <a:p>
-            <a:r>
-              <a:rPr lang="en-US" dirty="0" err="1" smtClean="0"/>
+            <a:endParaRPr lang="en-US" dirty="0"/>
+          </a:p>
+          <a:p>
+            <a:r>
+              <a:rPr lang="en-US" dirty="0" err="1"/>
               <a:t>Vs</a:t>
             </a:r>
             <a:r>
-              <a:rPr lang="en-US" dirty="0" smtClean="0"/>
+              <a:rPr lang="en-US" dirty="0"/>
               <a:t> only gave once?</a:t>
             </a:r>
-            <a:endParaRPr lang="en-US" dirty="0"/>
           </a:p>
         </p:txBody>
       </p:sp>
@@ -751,65 +753,56 @@
           <a:lstStyle/>
           <a:p>
             <a:r>
-              <a:rPr lang="en-US" dirty="0" smtClean="0"/>
+              <a:rPr lang="en-US" dirty="0"/>
               <a:t>20170601</a:t>
             </a:r>
           </a:p>
           <a:p>
             <a:r>
-              <a:rPr lang="en-US" dirty="0" smtClean="0"/>
+              <a:rPr lang="en-US" dirty="0"/>
               <a:t>Total households newly acquired that gave</a:t>
             </a:r>
           </a:p>
           <a:p>
             <a:r>
-              <a:rPr lang="en-US" dirty="0" smtClean="0"/>
+              <a:rPr lang="en-US" dirty="0"/>
               <a:t>How many gave in the years after?</a:t>
             </a:r>
           </a:p>
           <a:p>
-            <a:endParaRPr lang="en-US" dirty="0" smtClean="0"/>
-          </a:p>
-          <a:p>
-            <a:r>
-              <a:rPr lang="en-US" dirty="0" smtClean="0"/>
+            <a:endParaRPr lang="en-US" dirty="0"/>
+          </a:p>
+          <a:p>
+            <a:r>
+              <a:rPr lang="en-US" dirty="0"/>
               <a:t>Total # of Contacts</a:t>
             </a:r>
             <a:r>
-              <a:rPr lang="en-US" baseline="0" dirty="0" smtClean="0"/>
+              <a:rPr lang="en-US" baseline="0" dirty="0"/>
               <a:t> – Used Created Date</a:t>
             </a:r>
-            <a:endParaRPr lang="en-US" dirty="0" smtClean="0"/>
-          </a:p>
-          <a:p>
-            <a:r>
-              <a:rPr lang="en-US" dirty="0" smtClean="0"/>
-              <a:t>Previous Donor Drop-off </a:t>
-            </a:r>
-            <a:r>
-              <a:rPr lang="en-US" dirty="0" smtClean="0"/>
-              <a:t>– Gave in previous year but did not give this year</a:t>
-            </a:r>
-            <a:endParaRPr lang="en-US" baseline="0" dirty="0" smtClean="0"/>
-          </a:p>
-          <a:p>
-            <a:r>
-              <a:rPr lang="en-US" baseline="0" dirty="0" smtClean="0"/>
+            <a:endParaRPr lang="en-US" dirty="0"/>
+          </a:p>
+          <a:p>
+            <a:r>
+              <a:rPr lang="en-US" dirty="0"/>
+              <a:t>Previous Donor Drop-off – Gave in previous year but did not give this year</a:t>
+            </a:r>
+            <a:endParaRPr lang="en-US" baseline="0" dirty="0"/>
+          </a:p>
+          <a:p>
+            <a:r>
+              <a:rPr lang="en-US" baseline="0" dirty="0"/>
               <a:t>Total Donors Newly Acquired (1</a:t>
             </a:r>
             <a:r>
-              <a:rPr lang="en-US" baseline="30000" dirty="0" smtClean="0"/>
+              <a:rPr lang="en-US" baseline="30000" dirty="0"/>
               <a:t>st</a:t>
             </a:r>
             <a:r>
-              <a:rPr lang="en-US" baseline="0" dirty="0" smtClean="0"/>
-              <a:t> Gift in a certain FY</a:t>
-            </a:r>
-            <a:r>
-              <a:rPr lang="en-US" baseline="0" dirty="0" smtClean="0"/>
-              <a:t>)</a:t>
-            </a:r>
-            <a:endParaRPr lang="en-US" baseline="0" dirty="0" smtClean="0"/>
+              <a:rPr lang="en-US" baseline="0" dirty="0"/>
+              <a:t> Gift in a certain FY)</a:t>
+            </a:r>
           </a:p>
         </p:txBody>
       </p:sp>
@@ -894,63 +887,62 @@
           <a:lstStyle/>
           <a:p>
             <a:r>
-              <a:rPr lang="en-US" dirty="0" smtClean="0"/>
+              <a:rPr lang="en-US" dirty="0"/>
               <a:t>Household count?</a:t>
             </a:r>
           </a:p>
           <a:p>
             <a:r>
-              <a:rPr lang="en-US" dirty="0" smtClean="0"/>
+              <a:rPr lang="en-US" dirty="0"/>
               <a:t>Household giving</a:t>
             </a:r>
             <a:r>
-              <a:rPr lang="en-US" baseline="0" dirty="0" smtClean="0"/>
+              <a:rPr lang="en-US" baseline="0" dirty="0"/>
               <a:t> </a:t>
             </a:r>
             <a:r>
-              <a:rPr lang="en-US" baseline="0" dirty="0" err="1" smtClean="0"/>
+              <a:rPr lang="en-US" baseline="0" dirty="0" err="1"/>
               <a:t>vs</a:t>
             </a:r>
             <a:r>
-              <a:rPr lang="en-US" baseline="0" dirty="0" smtClean="0"/>
+              <a:rPr lang="en-US" baseline="0" dirty="0"/>
               <a:t> transactions</a:t>
             </a:r>
           </a:p>
           <a:p>
             <a:r>
-              <a:rPr lang="en-US" baseline="0" dirty="0" smtClean="0"/>
+              <a:rPr lang="en-US" baseline="0" dirty="0"/>
               <a:t>Allocations of the donations</a:t>
             </a:r>
-            <a:endParaRPr lang="en-US" dirty="0" smtClean="0"/>
-          </a:p>
-          <a:p>
-            <a:endParaRPr lang="en-US" dirty="0" smtClean="0"/>
-          </a:p>
-          <a:p>
-            <a:r>
-              <a:rPr lang="en-US" dirty="0" smtClean="0"/>
+            <a:endParaRPr lang="en-US" dirty="0"/>
+          </a:p>
+          <a:p>
+            <a:endParaRPr lang="en-US" dirty="0"/>
+          </a:p>
+          <a:p>
+            <a:r>
+              <a:rPr lang="en-US" dirty="0"/>
               <a:t>Contact Count –  Number of unique donors</a:t>
             </a:r>
           </a:p>
           <a:p>
             <a:r>
-              <a:rPr lang="en-US" dirty="0" smtClean="0"/>
+              <a:rPr lang="en-US" dirty="0"/>
               <a:t>Record Count – Number of</a:t>
             </a:r>
             <a:r>
-              <a:rPr lang="en-US" baseline="0" dirty="0" smtClean="0"/>
+              <a:rPr lang="en-US" baseline="0" dirty="0"/>
               <a:t> donations (transactions)</a:t>
             </a:r>
           </a:p>
           <a:p>
-            <a:endParaRPr lang="en-US" dirty="0" smtClean="0"/>
-          </a:p>
-          <a:p>
-            <a:r>
-              <a:rPr lang="en-US" dirty="0" smtClean="0"/>
+            <a:endParaRPr lang="en-US" dirty="0"/>
+          </a:p>
+          <a:p>
+            <a:r>
+              <a:rPr lang="en-US" dirty="0"/>
               <a:t>Notes:</a:t>
             </a:r>
-            <a:endParaRPr lang="en-US" dirty="0" smtClean="0"/>
           </a:p>
           <a:p>
             <a:pPr marL="171450" indent="-171450">
@@ -958,7 +950,7 @@
               <a:buChar char="-"/>
             </a:pPr>
             <a:r>
-              <a:rPr lang="en-US" dirty="0" smtClean="0"/>
+              <a:rPr lang="en-US" dirty="0"/>
               <a:t>Any potential to move 0-20k donors to higher as they are the largest pool of people?</a:t>
             </a:r>
           </a:p>
@@ -968,11 +960,11 @@
               <a:buChar char="-"/>
             </a:pPr>
             <a:r>
-              <a:rPr lang="en-US" dirty="0" smtClean="0"/>
+              <a:rPr lang="en-US" dirty="0"/>
               <a:t>Any potential</a:t>
             </a:r>
             <a:r>
-              <a:rPr lang="en-US" baseline="0" dirty="0" smtClean="0"/>
+              <a:rPr lang="en-US" baseline="0" dirty="0"/>
               <a:t> to move 20k – 70k donors up?</a:t>
             </a:r>
           </a:p>
@@ -982,7 +974,7 @@
               <a:buChar char="-"/>
             </a:pPr>
             <a:r>
-              <a:rPr lang="en-US" baseline="0" dirty="0" smtClean="0"/>
+              <a:rPr lang="en-US" baseline="0" dirty="0"/>
               <a:t>Decrease in 20-70k donors over the years</a:t>
             </a:r>
           </a:p>
@@ -992,7 +984,7 @@
               <a:buChar char="-"/>
             </a:pPr>
             <a:r>
-              <a:rPr lang="en-US" baseline="0" dirty="0" smtClean="0"/>
+              <a:rPr lang="en-US" baseline="0" dirty="0"/>
               <a:t>Stagnant Greater than 100k but perhaps they are different people? Look at who these people are?</a:t>
             </a:r>
             <a:endParaRPr lang="en-US" dirty="0"/>
@@ -1080,32 +1072,32 @@
           <a:lstStyle/>
           <a:p>
             <a:r>
-              <a:rPr lang="en-US" dirty="0" smtClean="0"/>
+              <a:rPr lang="en-US" dirty="0"/>
               <a:t>Add just individuals?</a:t>
             </a:r>
           </a:p>
           <a:p>
             <a:r>
-              <a:rPr lang="en-US" dirty="0" smtClean="0"/>
+              <a:rPr lang="en-US" dirty="0"/>
               <a:t> </a:t>
             </a:r>
           </a:p>
           <a:p>
             <a:r>
-              <a:rPr lang="en-US" dirty="0" smtClean="0"/>
+              <a:rPr lang="en-US" dirty="0"/>
               <a:t>2016 0-20k contact count? Should</a:t>
             </a:r>
             <a:r>
-              <a:rPr lang="en-US" baseline="0" dirty="0" smtClean="0"/>
+              <a:rPr lang="en-US" baseline="0" dirty="0"/>
               <a:t> be smaller</a:t>
             </a:r>
           </a:p>
           <a:p>
-            <a:endParaRPr lang="en-US" baseline="0" dirty="0" smtClean="0"/>
-          </a:p>
-          <a:p>
-            <a:r>
-              <a:rPr lang="en-US" baseline="0" dirty="0" smtClean="0"/>
+            <a:endParaRPr lang="en-US" baseline="0" dirty="0"/>
+          </a:p>
+          <a:p>
+            <a:r>
+              <a:rPr lang="en-US" baseline="0" dirty="0"/>
               <a:t>Same thing for people who been met. </a:t>
             </a:r>
             <a:endParaRPr lang="en-US" dirty="0"/>
@@ -1193,24 +1185,23 @@
           <a:lstStyle/>
           <a:p>
             <a:r>
-              <a:rPr lang="en-US" dirty="0" smtClean="0"/>
+              <a:rPr lang="en-US" dirty="0"/>
               <a:t>Separate organizations from individuals</a:t>
             </a:r>
             <a:r>
-              <a:rPr lang="en-US" baseline="0" dirty="0" smtClean="0"/>
+              <a:rPr lang="en-US" baseline="0" dirty="0"/>
               <a:t> on the DR team</a:t>
             </a:r>
-            <a:endParaRPr lang="en-US" dirty="0" smtClean="0"/>
-          </a:p>
-          <a:p>
-            <a:endParaRPr lang="en-US" dirty="0" smtClean="0"/>
-          </a:p>
-          <a:p>
-            <a:r>
-              <a:rPr lang="en-US" dirty="0" smtClean="0"/>
+            <a:endParaRPr lang="en-US" dirty="0"/>
+          </a:p>
+          <a:p>
+            <a:endParaRPr lang="en-US" dirty="0"/>
+          </a:p>
+          <a:p>
+            <a:r>
+              <a:rPr lang="en-US" dirty="0"/>
               <a:t>https://ap1.salesforce.com/00O90000009VrNQ</a:t>
             </a:r>
-            <a:endParaRPr lang="en-US" dirty="0"/>
           </a:p>
         </p:txBody>
       </p:sp>
@@ -1295,20 +1286,20 @@
           <a:lstStyle/>
           <a:p>
             <a:r>
-              <a:rPr lang="en-US" dirty="0" smtClean="0"/>
+              <a:rPr lang="en-US" dirty="0"/>
               <a:t>2015 outlier</a:t>
             </a:r>
           </a:p>
           <a:p>
-            <a:endParaRPr lang="en-US" dirty="0" smtClean="0"/>
-          </a:p>
-          <a:p>
-            <a:r>
-              <a:rPr lang="en-US" dirty="0" smtClean="0"/>
+            <a:endParaRPr lang="en-US" dirty="0"/>
+          </a:p>
+          <a:p>
+            <a:r>
+              <a:rPr lang="en-US" dirty="0"/>
               <a:t>Make Tabular, Export to Excel</a:t>
             </a:r>
             <a:r>
-              <a:rPr lang="en-US" baseline="0" dirty="0" smtClean="0"/>
+              <a:rPr lang="en-US" baseline="0" dirty="0"/>
               <a:t> to create chart</a:t>
             </a:r>
             <a:endParaRPr lang="en-US" dirty="0"/>
@@ -1396,11 +1387,11 @@
           <a:lstStyle/>
           <a:p>
             <a:r>
-              <a:rPr lang="en-US" dirty="0" smtClean="0"/>
+              <a:rPr lang="en-US" dirty="0"/>
               <a:t>Only look at Q4 or October? + heading? Compare with total giving by </a:t>
             </a:r>
             <a:r>
-              <a:rPr lang="en-US" dirty="0" err="1" smtClean="0"/>
+              <a:rPr lang="en-US" dirty="0" err="1"/>
               <a:t>qtr</a:t>
             </a:r>
             <a:endParaRPr lang="en-US" dirty="0"/>
@@ -1488,23 +1479,23 @@
           <a:lstStyle/>
           <a:p>
             <a:r>
-              <a:rPr lang="en-US" dirty="0" smtClean="0"/>
+              <a:rPr lang="en-US" dirty="0"/>
               <a:t>20170601</a:t>
             </a:r>
           </a:p>
           <a:p>
             <a:r>
-              <a:rPr lang="en-US" dirty="0" smtClean="0"/>
+              <a:rPr lang="en-US" dirty="0"/>
               <a:t>Households at banquet</a:t>
             </a:r>
           </a:p>
           <a:p>
             <a:r>
-              <a:rPr lang="en-US" dirty="0" smtClean="0"/>
+              <a:rPr lang="en-US" dirty="0"/>
               <a:t>Total Repeat</a:t>
             </a:r>
             <a:r>
-              <a:rPr lang="en-US" baseline="0" dirty="0" smtClean="0"/>
+              <a:rPr lang="en-US" baseline="0" dirty="0"/>
               <a:t> HH</a:t>
             </a:r>
             <a:endParaRPr lang="en-US" dirty="0"/>
@@ -1589,7 +1580,7 @@
           </a:lstStyle>
           <a:p>
             <a:r>
-              <a:rPr lang="en-US" smtClean="0"/>
+              <a:rPr lang="en-US"/>
               <a:t>Click to edit Master title style</a:t>
             </a:r>
             <a:endParaRPr lang="en-US" dirty="0"/>
@@ -1654,7 +1645,7 @@
           </a:lstStyle>
           <a:p>
             <a:r>
-              <a:rPr lang="en-US" smtClean="0"/>
+              <a:rPr lang="en-US"/>
               <a:t>Click to edit Master subtitle style</a:t>
             </a:r>
             <a:endParaRPr lang="en-US" dirty="0"/>
@@ -1678,7 +1669,7 @@
           <a:p>
             <a:fld id="{A482935F-EEAC-B144-8C2A-5B9EFB7821C0}" type="datetime1">
               <a:rPr lang="en-HK" smtClean="0"/>
-              <a:t>9/6/17</a:t>
+              <a:t>19/12/2017</a:t>
             </a:fld>
             <a:endParaRPr lang="en-US" dirty="0"/>
           </a:p>
@@ -1700,7 +1691,7 @@
           <a:lstStyle/>
           <a:p>
             <a:r>
-              <a:rPr lang="en-US" smtClean="0"/>
+              <a:rPr lang="en-US"/>
               <a:t> International Care Ministries </a:t>
             </a:r>
             <a:endParaRPr lang="en-US" dirty="0"/>
@@ -1776,7 +1767,7 @@
           <a:lstStyle/>
           <a:p>
             <a:r>
-              <a:rPr lang="en-US" smtClean="0"/>
+              <a:rPr lang="en-US"/>
               <a:t>Click to edit Master title style</a:t>
             </a:r>
             <a:endParaRPr lang="en-US" dirty="0"/>
@@ -1800,35 +1791,35 @@
           <a:p>
             <a:pPr lvl="0"/>
             <a:r>
-              <a:rPr lang="en-US" smtClean="0"/>
+              <a:rPr lang="en-US"/>
               <a:t>Click to edit Master text styles</a:t>
             </a:r>
           </a:p>
           <a:p>
             <a:pPr lvl="1"/>
             <a:r>
-              <a:rPr lang="en-US" smtClean="0"/>
+              <a:rPr lang="en-US"/>
               <a:t>Second level</a:t>
             </a:r>
           </a:p>
           <a:p>
             <a:pPr lvl="2"/>
             <a:r>
-              <a:rPr lang="en-US" smtClean="0"/>
+              <a:rPr lang="en-US"/>
               <a:t>Third level</a:t>
             </a:r>
           </a:p>
           <a:p>
             <a:pPr lvl="3"/>
             <a:r>
-              <a:rPr lang="en-US" smtClean="0"/>
+              <a:rPr lang="en-US"/>
               <a:t>Fourth level</a:t>
             </a:r>
           </a:p>
           <a:p>
             <a:pPr lvl="4"/>
             <a:r>
-              <a:rPr lang="en-US" smtClean="0"/>
+              <a:rPr lang="en-US"/>
               <a:t>Fifth level</a:t>
             </a:r>
             <a:endParaRPr lang="en-US" dirty="0"/>
@@ -1852,7 +1843,7 @@
           <a:p>
             <a:fld id="{23E1EDE7-9787-AF48-BB95-D41E948B0694}" type="datetime1">
               <a:rPr lang="en-HK" smtClean="0"/>
-              <a:t>9/6/17</a:t>
+              <a:t>19/12/2017</a:t>
             </a:fld>
             <a:endParaRPr lang="en-US" dirty="0"/>
           </a:p>
@@ -1874,7 +1865,7 @@
           <a:lstStyle/>
           <a:p>
             <a:r>
-              <a:rPr lang="en-US" smtClean="0"/>
+              <a:rPr lang="en-US"/>
               <a:t> International Care Ministries </a:t>
             </a:r>
             <a:endParaRPr lang="en-US" dirty="0"/>
@@ -1955,7 +1946,7 @@
           <a:lstStyle/>
           <a:p>
             <a:r>
-              <a:rPr lang="en-US" smtClean="0"/>
+              <a:rPr lang="en-US"/>
               <a:t>Click to edit Master title style</a:t>
             </a:r>
             <a:endParaRPr lang="en-US" dirty="0"/>
@@ -1984,35 +1975,35 @@
           <a:p>
             <a:pPr lvl="0"/>
             <a:r>
-              <a:rPr lang="en-US" smtClean="0"/>
+              <a:rPr lang="en-US"/>
               <a:t>Click to edit Master text styles</a:t>
             </a:r>
           </a:p>
           <a:p>
             <a:pPr lvl="1"/>
             <a:r>
-              <a:rPr lang="en-US" smtClean="0"/>
+              <a:rPr lang="en-US"/>
               <a:t>Second level</a:t>
             </a:r>
           </a:p>
           <a:p>
             <a:pPr lvl="2"/>
             <a:r>
-              <a:rPr lang="en-US" smtClean="0"/>
+              <a:rPr lang="en-US"/>
               <a:t>Third level</a:t>
             </a:r>
           </a:p>
           <a:p>
             <a:pPr lvl="3"/>
             <a:r>
-              <a:rPr lang="en-US" smtClean="0"/>
+              <a:rPr lang="en-US"/>
               <a:t>Fourth level</a:t>
             </a:r>
           </a:p>
           <a:p>
             <a:pPr lvl="4"/>
             <a:r>
-              <a:rPr lang="en-US" smtClean="0"/>
+              <a:rPr lang="en-US"/>
               <a:t>Fifth level</a:t>
             </a:r>
             <a:endParaRPr lang="en-US" dirty="0"/>
@@ -2036,7 +2027,7 @@
           <a:p>
             <a:fld id="{34606CA9-B673-9447-968F-ADCB19A28A8E}" type="datetime1">
               <a:rPr lang="en-HK" smtClean="0"/>
-              <a:t>9/6/17</a:t>
+              <a:t>19/12/2017</a:t>
             </a:fld>
             <a:endParaRPr lang="en-US" dirty="0"/>
           </a:p>
@@ -2058,7 +2049,7 @@
           <a:lstStyle/>
           <a:p>
             <a:r>
-              <a:rPr lang="en-US" smtClean="0"/>
+              <a:rPr lang="en-US"/>
               <a:t> International Care Ministries </a:t>
             </a:r>
             <a:endParaRPr lang="en-US" dirty="0"/>
@@ -2134,10 +2125,9 @@
           <a:lstStyle/>
           <a:p>
             <a:r>
-              <a:rPr lang="en-US" smtClean="0"/>
+              <a:rPr lang="en-US"/>
               <a:t>Click to edit Master title style</a:t>
             </a:r>
-            <a:endParaRPr lang="en-US"/>
           </a:p>
         </p:txBody>
       </p:sp>
@@ -2158,7 +2148,7 @@
           <a:p>
             <a:fld id="{0AD6990A-A50C-4B48-9709-F6FE2AF44D67}" type="datetime1">
               <a:rPr lang="en-HK" smtClean="0"/>
-              <a:t>9/6/17</a:t>
+              <a:t>19/12/2017</a:t>
             </a:fld>
             <a:endParaRPr lang="en-US" dirty="0"/>
           </a:p>
@@ -2180,7 +2170,7 @@
           <a:lstStyle/>
           <a:p>
             <a:r>
-              <a:rPr lang="en-US" smtClean="0"/>
+              <a:rPr lang="en-US"/>
               <a:t> International Care Ministries </a:t>
             </a:r>
             <a:endParaRPr lang="en-US" dirty="0"/>
@@ -2257,7 +2247,7 @@
           <a:lstStyle/>
           <a:p>
             <a:r>
-              <a:rPr lang="en-US" smtClean="0"/>
+              <a:rPr lang="en-US"/>
               <a:t>Click to edit Master title style</a:t>
             </a:r>
             <a:endParaRPr lang="en-US" dirty="0"/>
@@ -2281,35 +2271,35 @@
           <a:p>
             <a:pPr lvl="0"/>
             <a:r>
-              <a:rPr lang="en-US" smtClean="0"/>
+              <a:rPr lang="en-US"/>
               <a:t>Click to edit Master text styles</a:t>
             </a:r>
           </a:p>
           <a:p>
             <a:pPr lvl="1"/>
             <a:r>
-              <a:rPr lang="en-US" smtClean="0"/>
+              <a:rPr lang="en-US"/>
               <a:t>Second level</a:t>
             </a:r>
           </a:p>
           <a:p>
             <a:pPr lvl="2"/>
             <a:r>
-              <a:rPr lang="en-US" smtClean="0"/>
+              <a:rPr lang="en-US"/>
               <a:t>Third level</a:t>
             </a:r>
           </a:p>
           <a:p>
             <a:pPr lvl="3"/>
             <a:r>
-              <a:rPr lang="en-US" smtClean="0"/>
+              <a:rPr lang="en-US"/>
               <a:t>Fourth level</a:t>
             </a:r>
           </a:p>
           <a:p>
             <a:pPr lvl="4"/>
             <a:r>
-              <a:rPr lang="en-US" smtClean="0"/>
+              <a:rPr lang="en-US"/>
               <a:t>Fifth level</a:t>
             </a:r>
             <a:endParaRPr lang="en-US" dirty="0"/>
@@ -2333,7 +2323,7 @@
           <a:p>
             <a:fld id="{B655DE6F-1D24-DD4F-9C49-4AE21088CB41}" type="datetime1">
               <a:rPr lang="en-HK" smtClean="0"/>
-              <a:t>9/6/17</a:t>
+              <a:t>19/12/2017</a:t>
             </a:fld>
             <a:endParaRPr lang="en-US" dirty="0"/>
           </a:p>
@@ -2355,7 +2345,7 @@
           <a:lstStyle/>
           <a:p>
             <a:r>
-              <a:rPr lang="en-US" smtClean="0"/>
+              <a:rPr lang="en-US"/>
               <a:t> International Care Ministries </a:t>
             </a:r>
             <a:endParaRPr lang="en-US" dirty="0"/>
@@ -2471,7 +2461,7 @@
           </a:lstStyle>
           <a:p>
             <a:r>
-              <a:rPr lang="en-US" smtClean="0"/>
+              <a:rPr lang="en-US"/>
               <a:t>Click to edit Master title style</a:t>
             </a:r>
             <a:endParaRPr lang="en-US" dirty="0"/>
@@ -2589,7 +2579,7 @@
           <a:p>
             <a:pPr lvl="0"/>
             <a:r>
-              <a:rPr lang="en-US" smtClean="0"/>
+              <a:rPr lang="en-US"/>
               <a:t>Click to edit Master text styles</a:t>
             </a:r>
           </a:p>
@@ -2612,7 +2602,7 @@
           <a:p>
             <a:fld id="{C22B7D0D-CC39-424A-A358-CC256CEF0C6E}" type="datetime1">
               <a:rPr lang="en-HK" smtClean="0"/>
-              <a:t>9/6/17</a:t>
+              <a:t>19/12/2017</a:t>
             </a:fld>
             <a:endParaRPr lang="en-US" dirty="0"/>
           </a:p>
@@ -2634,7 +2624,7 @@
           <a:lstStyle/>
           <a:p>
             <a:r>
-              <a:rPr lang="en-US" smtClean="0"/>
+              <a:rPr lang="en-US"/>
               <a:t> International Care Ministries </a:t>
             </a:r>
             <a:endParaRPr lang="en-US" dirty="0"/>
@@ -2710,7 +2700,7 @@
           <a:lstStyle/>
           <a:p>
             <a:r>
-              <a:rPr lang="en-US" smtClean="0"/>
+              <a:rPr lang="en-US"/>
               <a:t>Click to edit Master title style</a:t>
             </a:r>
             <a:endParaRPr lang="en-US" dirty="0"/>
@@ -2739,35 +2729,35 @@
           <a:p>
             <a:pPr lvl="0"/>
             <a:r>
-              <a:rPr lang="en-US" smtClean="0"/>
+              <a:rPr lang="en-US"/>
               <a:t>Click to edit Master text styles</a:t>
             </a:r>
           </a:p>
           <a:p>
             <a:pPr lvl="1"/>
             <a:r>
-              <a:rPr lang="en-US" smtClean="0"/>
+              <a:rPr lang="en-US"/>
               <a:t>Second level</a:t>
             </a:r>
           </a:p>
           <a:p>
             <a:pPr lvl="2"/>
             <a:r>
-              <a:rPr lang="en-US" smtClean="0"/>
+              <a:rPr lang="en-US"/>
               <a:t>Third level</a:t>
             </a:r>
           </a:p>
           <a:p>
             <a:pPr lvl="3"/>
             <a:r>
-              <a:rPr lang="en-US" smtClean="0"/>
+              <a:rPr lang="en-US"/>
               <a:t>Fourth level</a:t>
             </a:r>
           </a:p>
           <a:p>
             <a:pPr lvl="4"/>
             <a:r>
-              <a:rPr lang="en-US" smtClean="0"/>
+              <a:rPr lang="en-US"/>
               <a:t>Fifth level</a:t>
             </a:r>
             <a:endParaRPr lang="en-US" dirty="0"/>
@@ -2796,35 +2786,35 @@
           <a:p>
             <a:pPr lvl="0"/>
             <a:r>
-              <a:rPr lang="en-US" smtClean="0"/>
+              <a:rPr lang="en-US"/>
               <a:t>Click to edit Master text styles</a:t>
             </a:r>
           </a:p>
           <a:p>
             <a:pPr lvl="1"/>
             <a:r>
-              <a:rPr lang="en-US" smtClean="0"/>
+              <a:rPr lang="en-US"/>
               <a:t>Second level</a:t>
             </a:r>
           </a:p>
           <a:p>
             <a:pPr lvl="2"/>
             <a:r>
-              <a:rPr lang="en-US" smtClean="0"/>
+              <a:rPr lang="en-US"/>
               <a:t>Third level</a:t>
             </a:r>
           </a:p>
           <a:p>
             <a:pPr lvl="3"/>
             <a:r>
-              <a:rPr lang="en-US" smtClean="0"/>
+              <a:rPr lang="en-US"/>
               <a:t>Fourth level</a:t>
             </a:r>
           </a:p>
           <a:p>
             <a:pPr lvl="4"/>
             <a:r>
-              <a:rPr lang="en-US" smtClean="0"/>
+              <a:rPr lang="en-US"/>
               <a:t>Fifth level</a:t>
             </a:r>
             <a:endParaRPr lang="en-US" dirty="0"/>
@@ -2848,7 +2838,7 @@
           <a:p>
             <a:fld id="{1BADB1C1-8763-064D-A346-67CC1A93F7F3}" type="datetime1">
               <a:rPr lang="en-HK" smtClean="0"/>
-              <a:t>9/6/17</a:t>
+              <a:t>19/12/2017</a:t>
             </a:fld>
             <a:endParaRPr lang="en-US" dirty="0"/>
           </a:p>
@@ -2870,7 +2860,7 @@
           <a:lstStyle/>
           <a:p>
             <a:r>
-              <a:rPr lang="en-US" smtClean="0"/>
+              <a:rPr lang="en-US"/>
               <a:t> International Care Ministries </a:t>
             </a:r>
             <a:endParaRPr lang="en-US" dirty="0"/>
@@ -2951,7 +2941,7 @@
           <a:lstStyle/>
           <a:p>
             <a:r>
-              <a:rPr lang="en-US" smtClean="0"/>
+              <a:rPr lang="en-US"/>
               <a:t>Click to edit Master title style</a:t>
             </a:r>
             <a:endParaRPr lang="en-US" dirty="0"/>
@@ -3017,7 +3007,7 @@
           <a:p>
             <a:pPr lvl="0"/>
             <a:r>
-              <a:rPr lang="en-US" smtClean="0"/>
+              <a:rPr lang="en-US"/>
               <a:t>Click to edit Master text styles</a:t>
             </a:r>
           </a:p>
@@ -3045,35 +3035,35 @@
           <a:p>
             <a:pPr lvl="0"/>
             <a:r>
-              <a:rPr lang="en-US" smtClean="0"/>
+              <a:rPr lang="en-US"/>
               <a:t>Click to edit Master text styles</a:t>
             </a:r>
           </a:p>
           <a:p>
             <a:pPr lvl="1"/>
             <a:r>
-              <a:rPr lang="en-US" smtClean="0"/>
+              <a:rPr lang="en-US"/>
               <a:t>Second level</a:t>
             </a:r>
           </a:p>
           <a:p>
             <a:pPr lvl="2"/>
             <a:r>
-              <a:rPr lang="en-US" smtClean="0"/>
+              <a:rPr lang="en-US"/>
               <a:t>Third level</a:t>
             </a:r>
           </a:p>
           <a:p>
             <a:pPr lvl="3"/>
             <a:r>
-              <a:rPr lang="en-US" smtClean="0"/>
+              <a:rPr lang="en-US"/>
               <a:t>Fourth level</a:t>
             </a:r>
           </a:p>
           <a:p>
             <a:pPr lvl="4"/>
             <a:r>
-              <a:rPr lang="en-US" smtClean="0"/>
+              <a:rPr lang="en-US"/>
               <a:t>Fifth level</a:t>
             </a:r>
             <a:endParaRPr lang="en-US" dirty="0"/>
@@ -3139,7 +3129,7 @@
           <a:p>
             <a:pPr lvl="0"/>
             <a:r>
-              <a:rPr lang="en-US" smtClean="0"/>
+              <a:rPr lang="en-US"/>
               <a:t>Click to edit Master text styles</a:t>
             </a:r>
           </a:p>
@@ -3167,35 +3157,35 @@
           <a:p>
             <a:pPr lvl="0"/>
             <a:r>
-              <a:rPr lang="en-US" smtClean="0"/>
+              <a:rPr lang="en-US"/>
               <a:t>Click to edit Master text styles</a:t>
             </a:r>
           </a:p>
           <a:p>
             <a:pPr lvl="1"/>
             <a:r>
-              <a:rPr lang="en-US" smtClean="0"/>
+              <a:rPr lang="en-US"/>
               <a:t>Second level</a:t>
             </a:r>
           </a:p>
           <a:p>
             <a:pPr lvl="2"/>
             <a:r>
-              <a:rPr lang="en-US" smtClean="0"/>
+              <a:rPr lang="en-US"/>
               <a:t>Third level</a:t>
             </a:r>
           </a:p>
           <a:p>
             <a:pPr lvl="3"/>
             <a:r>
-              <a:rPr lang="en-US" smtClean="0"/>
+              <a:rPr lang="en-US"/>
               <a:t>Fourth level</a:t>
             </a:r>
           </a:p>
           <a:p>
             <a:pPr lvl="4"/>
             <a:r>
-              <a:rPr lang="en-US" smtClean="0"/>
+              <a:rPr lang="en-US"/>
               <a:t>Fifth level</a:t>
             </a:r>
             <a:endParaRPr lang="en-US" dirty="0"/>
@@ -3219,7 +3209,7 @@
           <a:p>
             <a:fld id="{510569D2-8FDF-D247-90BE-365B4D5BF16F}" type="datetime1">
               <a:rPr lang="en-HK" smtClean="0"/>
-              <a:t>9/6/17</a:t>
+              <a:t>19/12/2017</a:t>
             </a:fld>
             <a:endParaRPr lang="en-US" dirty="0"/>
           </a:p>
@@ -3241,7 +3231,7 @@
           <a:lstStyle/>
           <a:p>
             <a:r>
-              <a:rPr lang="en-US" smtClean="0"/>
+              <a:rPr lang="en-US"/>
               <a:t> International Care Ministries </a:t>
             </a:r>
             <a:endParaRPr lang="en-US" dirty="0"/>
@@ -3317,7 +3307,7 @@
           <a:lstStyle/>
           <a:p>
             <a:r>
-              <a:rPr lang="en-US" smtClean="0"/>
+              <a:rPr lang="en-US"/>
               <a:t>Click to edit Master title style</a:t>
             </a:r>
             <a:endParaRPr lang="en-US" dirty="0"/>
@@ -3341,7 +3331,7 @@
           <a:p>
             <a:fld id="{320E219D-F923-B547-B81D-35C4E85C5D2B}" type="datetime1">
               <a:rPr lang="en-HK" smtClean="0"/>
-              <a:t>9/6/17</a:t>
+              <a:t>19/12/2017</a:t>
             </a:fld>
             <a:endParaRPr lang="en-US" dirty="0"/>
           </a:p>
@@ -3363,7 +3353,7 @@
           <a:lstStyle/>
           <a:p>
             <a:r>
-              <a:rPr lang="en-US" smtClean="0"/>
+              <a:rPr lang="en-US"/>
               <a:t> International Care Ministries </a:t>
             </a:r>
             <a:endParaRPr lang="en-US" dirty="0"/>
@@ -3440,7 +3430,7 @@
           <a:p>
             <a:fld id="{A8970522-01CA-154C-A51F-9E804A71AD13}" type="datetime1">
               <a:rPr lang="en-HK" smtClean="0"/>
-              <a:t>9/6/17</a:t>
+              <a:t>19/12/2017</a:t>
             </a:fld>
             <a:endParaRPr lang="en-US" dirty="0"/>
           </a:p>
@@ -3462,7 +3452,7 @@
           <a:lstStyle/>
           <a:p>
             <a:r>
-              <a:rPr lang="en-US" smtClean="0"/>
+              <a:rPr lang="en-US"/>
               <a:t> International Care Ministries </a:t>
             </a:r>
             <a:endParaRPr lang="en-US" dirty="0"/>
@@ -3548,7 +3538,7 @@
           </a:lstStyle>
           <a:p>
             <a:r>
-              <a:rPr lang="en-US" smtClean="0"/>
+              <a:rPr lang="en-US"/>
               <a:t>Click to edit Master title style</a:t>
             </a:r>
             <a:endParaRPr lang="en-US" dirty="0"/>
@@ -3605,35 +3595,35 @@
           <a:p>
             <a:pPr lvl="0"/>
             <a:r>
-              <a:rPr lang="en-US" smtClean="0"/>
+              <a:rPr lang="en-US"/>
               <a:t>Click to edit Master text styles</a:t>
             </a:r>
           </a:p>
           <a:p>
             <a:pPr lvl="1"/>
             <a:r>
-              <a:rPr lang="en-US" smtClean="0"/>
+              <a:rPr lang="en-US"/>
               <a:t>Second level</a:t>
             </a:r>
           </a:p>
           <a:p>
             <a:pPr lvl="2"/>
             <a:r>
-              <a:rPr lang="en-US" smtClean="0"/>
+              <a:rPr lang="en-US"/>
               <a:t>Third level</a:t>
             </a:r>
           </a:p>
           <a:p>
             <a:pPr lvl="3"/>
             <a:r>
-              <a:rPr lang="en-US" smtClean="0"/>
+              <a:rPr lang="en-US"/>
               <a:t>Fourth level</a:t>
             </a:r>
           </a:p>
           <a:p>
             <a:pPr lvl="4"/>
             <a:r>
-              <a:rPr lang="en-US" smtClean="0"/>
+              <a:rPr lang="en-US"/>
               <a:t>Fifth level</a:t>
             </a:r>
             <a:endParaRPr lang="en-US" dirty="0"/>
@@ -3699,7 +3689,7 @@
           <a:p>
             <a:pPr lvl="0"/>
             <a:r>
-              <a:rPr lang="en-US" smtClean="0"/>
+              <a:rPr lang="en-US"/>
               <a:t>Click to edit Master text styles</a:t>
             </a:r>
           </a:p>
@@ -3722,7 +3712,7 @@
           <a:p>
             <a:fld id="{602A5937-9AF1-FB4D-874E-793D1F895558}" type="datetime1">
               <a:rPr lang="en-HK" smtClean="0"/>
-              <a:t>9/6/17</a:t>
+              <a:t>19/12/2017</a:t>
             </a:fld>
             <a:endParaRPr lang="en-US" dirty="0"/>
           </a:p>
@@ -3744,7 +3734,7 @@
           <a:lstStyle/>
           <a:p>
             <a:r>
-              <a:rPr lang="en-US" smtClean="0"/>
+              <a:rPr lang="en-US"/>
               <a:t> International Care Ministries </a:t>
             </a:r>
             <a:endParaRPr lang="en-US" dirty="0"/>
@@ -3830,7 +3820,7 @@
           </a:lstStyle>
           <a:p>
             <a:r>
-              <a:rPr lang="en-US" smtClean="0"/>
+              <a:rPr lang="en-US"/>
               <a:t>Click to edit Master title style</a:t>
             </a:r>
             <a:endParaRPr lang="en-US" dirty="0"/>
@@ -3895,7 +3885,7 @@
           </a:lstStyle>
           <a:p>
             <a:r>
-              <a:rPr lang="en-US" smtClean="0"/>
+              <a:rPr lang="en-US"/>
               <a:t>Click icon to add picture</a:t>
             </a:r>
             <a:endParaRPr lang="en-US" dirty="0"/>
@@ -3961,7 +3951,7 @@
           <a:p>
             <a:pPr lvl="0"/>
             <a:r>
-              <a:rPr lang="en-US" smtClean="0"/>
+              <a:rPr lang="en-US"/>
               <a:t>Click to edit Master text styles</a:t>
             </a:r>
           </a:p>
@@ -3984,7 +3974,7 @@
           <a:p>
             <a:fld id="{F65031EF-FCAC-A24E-859C-766C1F1222F7}" type="datetime1">
               <a:rPr lang="en-HK" smtClean="0"/>
-              <a:t>9/6/17</a:t>
+              <a:t>19/12/2017</a:t>
             </a:fld>
             <a:endParaRPr lang="en-US" dirty="0"/>
           </a:p>
@@ -4006,7 +3996,7 @@
           <a:lstStyle/>
           <a:p>
             <a:r>
-              <a:rPr lang="en-US" smtClean="0"/>
+              <a:rPr lang="en-US"/>
               <a:t> International Care Ministries </a:t>
             </a:r>
             <a:endParaRPr lang="en-US" dirty="0"/>
@@ -4097,7 +4087,7 @@
           <a:lstStyle/>
           <a:p>
             <a:r>
-              <a:rPr lang="en-US" smtClean="0"/>
+              <a:rPr lang="en-US"/>
               <a:t>Click to edit Master title style</a:t>
             </a:r>
             <a:endParaRPr lang="en-US" dirty="0"/>
@@ -4131,35 +4121,35 @@
           <a:p>
             <a:pPr lvl="0"/>
             <a:r>
-              <a:rPr lang="en-US" smtClean="0"/>
+              <a:rPr lang="en-US"/>
               <a:t>Click to edit Master text styles</a:t>
             </a:r>
           </a:p>
           <a:p>
             <a:pPr lvl="1"/>
             <a:r>
-              <a:rPr lang="en-US" smtClean="0"/>
+              <a:rPr lang="en-US"/>
               <a:t>Second level</a:t>
             </a:r>
           </a:p>
           <a:p>
             <a:pPr lvl="2"/>
             <a:r>
-              <a:rPr lang="en-US" smtClean="0"/>
+              <a:rPr lang="en-US"/>
               <a:t>Third level</a:t>
             </a:r>
           </a:p>
           <a:p>
             <a:pPr lvl="3"/>
             <a:r>
-              <a:rPr lang="en-US" smtClean="0"/>
+              <a:rPr lang="en-US"/>
               <a:t>Fourth level</a:t>
             </a:r>
           </a:p>
           <a:p>
             <a:pPr lvl="4"/>
             <a:r>
-              <a:rPr lang="en-US" smtClean="0"/>
+              <a:rPr lang="en-US"/>
               <a:t>Fifth level</a:t>
             </a:r>
             <a:endParaRPr lang="en-US" dirty="0"/>
@@ -4201,7 +4191,7 @@
           <a:p>
             <a:fld id="{74902259-8201-2F45-9206-78EBA6A1B8F9}" type="datetime1">
               <a:rPr lang="en-HK" smtClean="0"/>
-              <a:t>9/6/17</a:t>
+              <a:t>19/12/2017</a:t>
             </a:fld>
             <a:endParaRPr lang="en-US" dirty="0"/>
           </a:p>
@@ -4241,7 +4231,7 @@
           </a:lstStyle>
           <a:p>
             <a:r>
-              <a:rPr lang="en-US" smtClean="0"/>
+              <a:rPr lang="en-US"/>
               <a:t> International Care Ministries </a:t>
             </a:r>
             <a:endParaRPr lang="en-US" dirty="0"/>
@@ -4733,13 +4723,6 @@
   <p:clrMapOvr>
     <a:masterClrMapping/>
   </p:clrMapOvr>
-  <p:timing>
-    <p:tnLst>
-      <p:par>
-        <p:cTn xmlns:p14="http://schemas.microsoft.com/office/powerpoint/2010/main" id="1" dur="indefinite" restart="never" nodeType="tmRoot"/>
-      </p:par>
-    </p:tnLst>
-  </p:timing>
 </p:sld>
 </file>
 
@@ -4783,10 +4766,9 @@
           <a:lstStyle/>
           <a:p>
             <a:r>
-              <a:rPr lang="en-US" dirty="0" smtClean="0"/>
+              <a:rPr lang="en-US" dirty="0"/>
               <a:t>Household that gave only once by Fiscal Quarter</a:t>
             </a:r>
-            <a:endParaRPr lang="en-US" dirty="0"/>
           </a:p>
         </p:txBody>
       </p:sp>
@@ -4807,7 +4789,7 @@
           <a:p>
             <a:fld id="{B655DE6F-1D24-DD4F-9C49-4AE21088CB41}" type="datetime1">
               <a:rPr lang="en-HK" smtClean="0"/>
-              <a:t>9/6/17</a:t>
+              <a:t>19/12/2017</a:t>
             </a:fld>
             <a:endParaRPr lang="en-US" dirty="0"/>
           </a:p>
@@ -4829,7 +4811,7 @@
           <a:lstStyle/>
           <a:p>
             <a:r>
-              <a:rPr lang="en-US" smtClean="0"/>
+              <a:rPr lang="en-US"/>
               <a:t> International Care Ministries </a:t>
             </a:r>
             <a:endParaRPr lang="en-US" dirty="0"/>
@@ -4894,13 +4876,6 @@
   <p:clrMapOvr>
     <a:masterClrMapping/>
   </p:clrMapOvr>
-  <p:timing>
-    <p:tnLst>
-      <p:par>
-        <p:cTn xmlns:p14="http://schemas.microsoft.com/office/powerpoint/2010/main" id="1" dur="indefinite" restart="never" nodeType="tmRoot"/>
-      </p:par>
-    </p:tnLst>
-  </p:timing>
 </p:sld>
 </file>
 
@@ -4937,10 +4912,9 @@
           <a:lstStyle/>
           <a:p>
             <a:r>
-              <a:rPr lang="en-US" dirty="0" smtClean="0"/>
+              <a:rPr lang="en-US" dirty="0"/>
               <a:t>Banquet Attendance</a:t>
             </a:r>
-            <a:endParaRPr lang="en-US" dirty="0"/>
           </a:p>
         </p:txBody>
       </p:sp>
@@ -4970,9 +4944,27 @@
                 <a:tableStyleId>{5C22544A-7EE6-4342-B048-85BDC9FD1C3A}</a:tableStyleId>
               </a:tblPr>
               <a:tblGrid>
-                <a:gridCol w="1299798"/>
-                <a:gridCol w="1630904"/>
-                <a:gridCol w="1931510"/>
+                <a:gridCol w="1299798">
+                  <a:extLst>
+                    <a:ext uri="{9D8B030D-6E8A-4147-A177-3AD203B41FA5}">
+                      <a16:colId xmlns:a16="http://schemas.microsoft.com/office/drawing/2014/main" val="20000"/>
+                    </a:ext>
+                  </a:extLst>
+                </a:gridCol>
+                <a:gridCol w="1630904">
+                  <a:extLst>
+                    <a:ext uri="{9D8B030D-6E8A-4147-A177-3AD203B41FA5}">
+                      <a16:colId xmlns:a16="http://schemas.microsoft.com/office/drawing/2014/main" val="20001"/>
+                    </a:ext>
+                  </a:extLst>
+                </a:gridCol>
+                <a:gridCol w="1931510">
+                  <a:extLst>
+                    <a:ext uri="{9D8B030D-6E8A-4147-A177-3AD203B41FA5}">
+                      <a16:colId xmlns:a16="http://schemas.microsoft.com/office/drawing/2014/main" val="20002"/>
+                    </a:ext>
+                  </a:extLst>
+                </a:gridCol>
               </a:tblGrid>
               <a:tr h="401285">
                 <a:tc>
@@ -4982,10 +4974,9 @@
                     <a:p>
                       <a:pPr algn="ctr"/>
                       <a:r>
-                        <a:rPr lang="en-US" dirty="0" smtClean="0"/>
+                        <a:rPr lang="en-US" dirty="0"/>
                         <a:t>Banquet Year</a:t>
                       </a:r>
-                      <a:endParaRPr lang="en-US" dirty="0"/>
                     </a:p>
                   </a:txBody>
                   <a:tcPr/>
@@ -4997,10 +4988,9 @@
                     <a:p>
                       <a:pPr algn="ctr"/>
                       <a:r>
-                        <a:rPr lang="en-US" dirty="0" smtClean="0"/>
+                        <a:rPr lang="en-US" dirty="0"/>
                         <a:t>Attendees</a:t>
                       </a:r>
-                      <a:endParaRPr lang="en-US" dirty="0"/>
                     </a:p>
                   </a:txBody>
                   <a:tcPr/>
@@ -5012,14 +5002,18 @@
                     <a:p>
                       <a:pPr algn="ctr"/>
                       <a:r>
-                        <a:rPr lang="en-US" dirty="0" smtClean="0"/>
+                        <a:rPr lang="en-US" dirty="0"/>
                         <a:t>Households that donated One Gift Only at banquet</a:t>
                       </a:r>
-                      <a:endParaRPr lang="en-US" dirty="0"/>
                     </a:p>
                   </a:txBody>
                   <a:tcPr/>
                 </a:tc>
+                <a:extLst>
+                  <a:ext uri="{0D108BD9-81ED-4DB2-BD59-A6C34878D82A}">
+                    <a16:rowId xmlns:a16="http://schemas.microsoft.com/office/drawing/2014/main" val="10000"/>
+                  </a:ext>
+                </a:extLst>
               </a:tr>
               <a:tr h="401285">
                 <a:tc>
@@ -5029,7 +5023,7 @@
                     <a:p>
                       <a:pPr algn="ctr"/>
                       <a:r>
-                        <a:rPr lang="en-US" dirty="0" smtClean="0"/>
+                        <a:rPr lang="en-US" dirty="0"/>
                         <a:t>2016</a:t>
                       </a:r>
                     </a:p>
@@ -5043,10 +5037,9 @@
                     <a:p>
                       <a:pPr algn="ctr"/>
                       <a:r>
-                        <a:rPr lang="en-US" dirty="0" smtClean="0"/>
+                        <a:rPr lang="en-US" dirty="0"/>
                         <a:t>864</a:t>
                       </a:r>
-                      <a:endParaRPr lang="en-US" dirty="0"/>
                     </a:p>
                   </a:txBody>
                   <a:tcPr/>
@@ -5058,14 +5051,18 @@
                     <a:p>
                       <a:pPr algn="ctr"/>
                       <a:r>
-                        <a:rPr lang="en-US" dirty="0" smtClean="0"/>
+                        <a:rPr lang="en-US" dirty="0"/>
                         <a:t>143</a:t>
                       </a:r>
-                      <a:endParaRPr lang="en-US" dirty="0"/>
                     </a:p>
                   </a:txBody>
                   <a:tcPr/>
                 </a:tc>
+                <a:extLst>
+                  <a:ext uri="{0D108BD9-81ED-4DB2-BD59-A6C34878D82A}">
+                    <a16:rowId xmlns:a16="http://schemas.microsoft.com/office/drawing/2014/main" val="10001"/>
+                  </a:ext>
+                </a:extLst>
               </a:tr>
               <a:tr h="401285">
                 <a:tc>
@@ -5075,10 +5072,9 @@
                     <a:p>
                       <a:pPr algn="ctr"/>
                       <a:r>
-                        <a:rPr lang="en-US" dirty="0" smtClean="0"/>
+                        <a:rPr lang="en-US" dirty="0"/>
                         <a:t>2015</a:t>
                       </a:r>
-                      <a:endParaRPr lang="en-US" dirty="0"/>
                     </a:p>
                   </a:txBody>
                   <a:tcPr/>
@@ -5090,10 +5086,9 @@
                     <a:p>
                       <a:pPr algn="ctr"/>
                       <a:r>
-                        <a:rPr lang="en-US" dirty="0" smtClean="0"/>
+                        <a:rPr lang="en-US" dirty="0"/>
                         <a:t>842</a:t>
                       </a:r>
-                      <a:endParaRPr lang="en-US" dirty="0"/>
                     </a:p>
                   </a:txBody>
                   <a:tcPr/>
@@ -5105,14 +5100,18 @@
                     <a:p>
                       <a:pPr algn="ctr"/>
                       <a:r>
-                        <a:rPr lang="en-US" dirty="0" smtClean="0"/>
+                        <a:rPr lang="en-US" dirty="0"/>
                         <a:t>66</a:t>
                       </a:r>
-                      <a:endParaRPr lang="en-US" dirty="0"/>
                     </a:p>
                   </a:txBody>
                   <a:tcPr/>
                 </a:tc>
+                <a:extLst>
+                  <a:ext uri="{0D108BD9-81ED-4DB2-BD59-A6C34878D82A}">
+                    <a16:rowId xmlns:a16="http://schemas.microsoft.com/office/drawing/2014/main" val="10002"/>
+                  </a:ext>
+                </a:extLst>
               </a:tr>
               <a:tr h="401285">
                 <a:tc>
@@ -5122,10 +5121,9 @@
                     <a:p>
                       <a:pPr algn="ctr"/>
                       <a:r>
-                        <a:rPr lang="en-US" dirty="0" smtClean="0"/>
+                        <a:rPr lang="en-US" dirty="0"/>
                         <a:t>2014</a:t>
                       </a:r>
-                      <a:endParaRPr lang="en-US" dirty="0"/>
                     </a:p>
                   </a:txBody>
                   <a:tcPr/>
@@ -5137,10 +5135,9 @@
                     <a:p>
                       <a:pPr algn="ctr"/>
                       <a:r>
-                        <a:rPr lang="en-US" dirty="0" smtClean="0"/>
+                        <a:rPr lang="en-US" dirty="0"/>
                         <a:t>852</a:t>
                       </a:r>
-                      <a:endParaRPr lang="en-US" dirty="0"/>
                     </a:p>
                   </a:txBody>
                   <a:tcPr/>
@@ -5152,14 +5149,18 @@
                     <a:p>
                       <a:pPr algn="ctr"/>
                       <a:r>
-                        <a:rPr lang="en-US" dirty="0" smtClean="0"/>
+                        <a:rPr lang="en-US" dirty="0"/>
                         <a:t>74</a:t>
                       </a:r>
-                      <a:endParaRPr lang="en-US" dirty="0"/>
                     </a:p>
                   </a:txBody>
                   <a:tcPr/>
                 </a:tc>
+                <a:extLst>
+                  <a:ext uri="{0D108BD9-81ED-4DB2-BD59-A6C34878D82A}">
+                    <a16:rowId xmlns:a16="http://schemas.microsoft.com/office/drawing/2014/main" val="10003"/>
+                  </a:ext>
+                </a:extLst>
               </a:tr>
               <a:tr h="401285">
                 <a:tc>
@@ -5169,10 +5170,9 @@
                     <a:p>
                       <a:pPr algn="ctr"/>
                       <a:r>
-                        <a:rPr lang="en-US" dirty="0" smtClean="0"/>
+                        <a:rPr lang="en-US" dirty="0"/>
                         <a:t>2013</a:t>
                       </a:r>
-                      <a:endParaRPr lang="en-US" dirty="0"/>
                     </a:p>
                   </a:txBody>
                   <a:tcPr/>
@@ -5184,10 +5184,9 @@
                     <a:p>
                       <a:pPr algn="ctr"/>
                       <a:r>
-                        <a:rPr lang="en-US" dirty="0" smtClean="0"/>
+                        <a:rPr lang="en-US" dirty="0"/>
                         <a:t>858</a:t>
                       </a:r>
-                      <a:endParaRPr lang="en-US" dirty="0"/>
                     </a:p>
                   </a:txBody>
                   <a:tcPr/>
@@ -5199,14 +5198,18 @@
                     <a:p>
                       <a:pPr algn="ctr"/>
                       <a:r>
-                        <a:rPr lang="en-US" dirty="0" smtClean="0"/>
+                        <a:rPr lang="en-US" dirty="0"/>
                         <a:t>118</a:t>
                       </a:r>
-                      <a:endParaRPr lang="en-US" dirty="0"/>
                     </a:p>
                   </a:txBody>
                   <a:tcPr/>
                 </a:tc>
+                <a:extLst>
+                  <a:ext uri="{0D108BD9-81ED-4DB2-BD59-A6C34878D82A}">
+                    <a16:rowId xmlns:a16="http://schemas.microsoft.com/office/drawing/2014/main" val="10004"/>
+                  </a:ext>
+                </a:extLst>
               </a:tr>
             </a:tbl>
           </a:graphicData>
@@ -5229,7 +5232,7 @@
           <a:p>
             <a:fld id="{B655DE6F-1D24-DD4F-9C49-4AE21088CB41}" type="datetime1">
               <a:rPr lang="en-HK" smtClean="0"/>
-              <a:t>9/6/17</a:t>
+              <a:t>19/12/2017</a:t>
             </a:fld>
             <a:endParaRPr lang="en-US" dirty="0"/>
           </a:p>
@@ -5251,7 +5254,7 @@
           <a:lstStyle/>
           <a:p>
             <a:r>
-              <a:rPr lang="en-US" smtClean="0"/>
+              <a:rPr lang="en-US"/>
               <a:t> International Care Ministries </a:t>
             </a:r>
             <a:endParaRPr lang="en-US" dirty="0"/>
@@ -5292,13 +5295,6 @@
   <p:clrMapOvr>
     <a:masterClrMapping/>
   </p:clrMapOvr>
-  <p:timing>
-    <p:tnLst>
-      <p:par>
-        <p:cTn xmlns:p14="http://schemas.microsoft.com/office/powerpoint/2010/main" id="1" dur="indefinite" restart="never" nodeType="tmRoot"/>
-      </p:par>
-    </p:tnLst>
-  </p:timing>
 </p:sld>
 </file>
 
@@ -5335,10 +5331,9 @@
           <a:lstStyle/>
           <a:p>
             <a:r>
-              <a:rPr lang="en-US" dirty="0" smtClean="0"/>
+              <a:rPr lang="en-US" dirty="0"/>
               <a:t>Note</a:t>
             </a:r>
-            <a:endParaRPr lang="en-US" dirty="0"/>
           </a:p>
         </p:txBody>
       </p:sp>
@@ -5358,25 +5353,25 @@
           <a:lstStyle/>
           <a:p>
             <a:r>
-              <a:rPr lang="en-US" dirty="0" smtClean="0"/>
+              <a:rPr lang="en-US" dirty="0"/>
               <a:t>Fiscal Year = June 1</a:t>
             </a:r>
             <a:r>
-              <a:rPr lang="en-US" baseline="30000" dirty="0" smtClean="0"/>
+              <a:rPr lang="en-US" baseline="30000" dirty="0"/>
               <a:t>st</a:t>
             </a:r>
             <a:r>
-              <a:rPr lang="en-US" dirty="0" smtClean="0"/>
+              <a:rPr lang="en-US" dirty="0"/>
               <a:t> to May 31</a:t>
             </a:r>
             <a:r>
-              <a:rPr lang="en-US" baseline="30000" dirty="0" smtClean="0"/>
+              <a:rPr lang="en-US" baseline="30000" dirty="0"/>
               <a:t>st</a:t>
             </a:r>
           </a:p>
           <a:p>
             <a:r>
-              <a:rPr lang="en-US" dirty="0" smtClean="0"/>
+              <a:rPr lang="en-US" dirty="0"/>
               <a:t>Amounts are in Hong Kong Dollars</a:t>
             </a:r>
           </a:p>
@@ -5402,7 +5397,7 @@
           <a:p>
             <a:fld id="{B655DE6F-1D24-DD4F-9C49-4AE21088CB41}" type="datetime1">
               <a:rPr lang="en-HK" smtClean="0"/>
-              <a:t>9/6/17</a:t>
+              <a:t>19/12/2017</a:t>
             </a:fld>
             <a:endParaRPr lang="en-US" dirty="0"/>
           </a:p>
@@ -5424,7 +5419,7 @@
           <a:lstStyle/>
           <a:p>
             <a:r>
-              <a:rPr lang="en-US" smtClean="0"/>
+              <a:rPr lang="en-US"/>
               <a:t> International Care Ministries </a:t>
             </a:r>
             <a:endParaRPr lang="en-US" dirty="0"/>
@@ -5501,10 +5496,9 @@
           <a:lstStyle/>
           <a:p>
             <a:r>
-              <a:rPr lang="en-US" dirty="0" smtClean="0"/>
+              <a:rPr lang="en-US" dirty="0"/>
               <a:t>Newly Acquired Households</a:t>
             </a:r>
-            <a:endParaRPr lang="en-US" dirty="0"/>
           </a:p>
         </p:txBody>
       </p:sp>
@@ -5525,7 +5519,7 @@
           <a:p>
             <a:fld id="{B655DE6F-1D24-DD4F-9C49-4AE21088CB41}" type="datetime1">
               <a:rPr lang="en-HK" smtClean="0"/>
-              <a:t>9/6/17</a:t>
+              <a:t>19/12/2017</a:t>
             </a:fld>
             <a:endParaRPr lang="en-US" dirty="0"/>
           </a:p>
@@ -5547,7 +5541,7 @@
           <a:lstStyle/>
           <a:p>
             <a:r>
-              <a:rPr lang="en-US" smtClean="0"/>
+              <a:rPr lang="en-US"/>
               <a:t> International Care Ministries </a:t>
             </a:r>
             <a:endParaRPr lang="en-US" dirty="0"/>
@@ -5588,14 +5582,14 @@
             <p:ph idx="1"/>
             <p:extLst>
               <p:ext uri="{D42A27DB-BD31-4B8C-83A1-F6EECF244321}">
-                <p14:modId xmlns:p14="http://schemas.microsoft.com/office/powerpoint/2010/main" val="4169205619"/>
+                <p14:modId xmlns:p14="http://schemas.microsoft.com/office/powerpoint/2010/main" val="3574653502"/>
               </p:ext>
             </p:extLst>
           </p:nvPr>
         </p:nvGraphicFramePr>
         <p:xfrm>
-          <a:off x="681037" y="1690690"/>
-          <a:ext cx="3625417" cy="4830580"/>
+          <a:off x="681038" y="1860852"/>
+          <a:ext cx="3986992" cy="3783510"/>
         </p:xfrm>
         <a:graphic>
           <a:graphicData uri="http://schemas.openxmlformats.org/drawingml/2006/table">
@@ -5604,11 +5598,29 @@
                 <a:tableStyleId>{5C22544A-7EE6-4342-B048-85BDC9FD1C3A}</a:tableStyleId>
               </a:tblPr>
               <a:tblGrid>
-                <a:gridCol w="1127235"/>
-                <a:gridCol w="1249091"/>
-                <a:gridCol w="1249091"/>
+                <a:gridCol w="1239658">
+                  <a:extLst>
+                    <a:ext uri="{9D8B030D-6E8A-4147-A177-3AD203B41FA5}">
+                      <a16:colId xmlns:a16="http://schemas.microsoft.com/office/drawing/2014/main" val="20000"/>
+                    </a:ext>
+                  </a:extLst>
+                </a:gridCol>
+                <a:gridCol w="1373667">
+                  <a:extLst>
+                    <a:ext uri="{9D8B030D-6E8A-4147-A177-3AD203B41FA5}">
+                      <a16:colId xmlns:a16="http://schemas.microsoft.com/office/drawing/2014/main" val="20001"/>
+                    </a:ext>
+                  </a:extLst>
+                </a:gridCol>
+                <a:gridCol w="1373667">
+                  <a:extLst>
+                    <a:ext uri="{9D8B030D-6E8A-4147-A177-3AD203B41FA5}">
+                      <a16:colId xmlns:a16="http://schemas.microsoft.com/office/drawing/2014/main" val="20002"/>
+                    </a:ext>
+                  </a:extLst>
+                </a:gridCol>
               </a:tblGrid>
-              <a:tr h="1619862">
+              <a:tr h="1189670">
                 <a:tc>
                   <a:txBody>
                     <a:bodyPr/>
@@ -5616,7 +5628,7 @@
                     <a:p>
                       <a:pPr lvl="0" algn="ctr"/>
                       <a:r>
-                        <a:rPr lang="en-US" sz="1600" dirty="0" smtClean="0"/>
+                        <a:rPr lang="en-US" sz="1600" dirty="0"/>
                         <a:t>FY</a:t>
                       </a:r>
                     </a:p>
@@ -5646,10 +5658,9 @@
                         <a:defRPr/>
                       </a:pPr>
                       <a:r>
-                        <a:rPr lang="en-US" sz="1600" dirty="0" smtClean="0"/>
+                        <a:rPr lang="en-US" sz="1600" dirty="0"/>
                         <a:t>Total Households Newly Donated</a:t>
                       </a:r>
-                      <a:endParaRPr lang="en-US" sz="1600" dirty="0"/>
                     </a:p>
                   </a:txBody>
                   <a:tcPr anchor="ctr"/>
@@ -5677,26 +5688,29 @@
                         <a:defRPr/>
                       </a:pPr>
                       <a:r>
-                        <a:rPr lang="en-US" sz="1600" dirty="0" smtClean="0"/>
+                        <a:rPr lang="en-US" sz="1600" dirty="0"/>
                         <a:t>Gave in subsequent years</a:t>
                       </a:r>
-                      <a:endParaRPr lang="en-US" sz="1600" dirty="0"/>
                     </a:p>
                   </a:txBody>
                   <a:tcPr anchor="ctr"/>
                 </a:tc>
+                <a:extLst>
+                  <a:ext uri="{0D108BD9-81ED-4DB2-BD59-A6C34878D82A}">
+                    <a16:rowId xmlns:a16="http://schemas.microsoft.com/office/drawing/2014/main" val="10000"/>
+                  </a:ext>
+                </a:extLst>
               </a:tr>
-              <a:tr h="1177286">
+              <a:tr h="560408">
                 <a:tc>
                   <a:txBody>
                     <a:bodyPr/>
                     <a:lstStyle/>
                     <a:p>
                       <a:r>
-                        <a:rPr lang="en-US" dirty="0" smtClean="0"/>
+                        <a:rPr lang="en-US" dirty="0"/>
                         <a:t>2016-17</a:t>
                       </a:r>
-                      <a:endParaRPr lang="en-US" dirty="0"/>
                     </a:p>
                   </a:txBody>
                   <a:tcPr anchor="ctr"/>
@@ -5708,10 +5722,9 @@
                     <a:p>
                       <a:pPr algn="ctr"/>
                       <a:r>
-                        <a:rPr lang="en-US" dirty="0" smtClean="0"/>
+                        <a:rPr lang="en-US" dirty="0"/>
                         <a:t>856</a:t>
                       </a:r>
-                      <a:endParaRPr lang="en-US" dirty="0"/>
                     </a:p>
                   </a:txBody>
                   <a:tcPr anchor="ctr"/>
@@ -5727,6 +5740,11 @@
                   </a:txBody>
                   <a:tcPr anchor="ctr"/>
                 </a:tc>
+                <a:extLst>
+                  <a:ext uri="{0D108BD9-81ED-4DB2-BD59-A6C34878D82A}">
+                    <a16:rowId xmlns:a16="http://schemas.microsoft.com/office/drawing/2014/main" val="10001"/>
+                  </a:ext>
+                </a:extLst>
               </a:tr>
               <a:tr h="633923">
                 <a:tc>
@@ -5735,10 +5753,9 @@
                     <a:lstStyle/>
                     <a:p>
                       <a:r>
-                        <a:rPr lang="en-US" dirty="0" smtClean="0"/>
+                        <a:rPr lang="en-US" dirty="0"/>
                         <a:t>2015-16</a:t>
                       </a:r>
-                      <a:endParaRPr lang="en-US" dirty="0"/>
                     </a:p>
                   </a:txBody>
                   <a:tcPr anchor="ctr"/>
@@ -5750,10 +5767,9 @@
                     <a:p>
                       <a:pPr algn="ctr"/>
                       <a:r>
-                        <a:rPr lang="en-US" dirty="0" smtClean="0"/>
+                        <a:rPr lang="en-US" dirty="0"/>
                         <a:t>505</a:t>
                       </a:r>
-                      <a:endParaRPr lang="en-US" dirty="0"/>
                     </a:p>
                   </a:txBody>
                   <a:tcPr anchor="ctr"/>
@@ -5769,6 +5785,11 @@
                   </a:txBody>
                   <a:tcPr anchor="ctr"/>
                 </a:tc>
+                <a:extLst>
+                  <a:ext uri="{0D108BD9-81ED-4DB2-BD59-A6C34878D82A}">
+                    <a16:rowId xmlns:a16="http://schemas.microsoft.com/office/drawing/2014/main" val="10002"/>
+                  </a:ext>
+                </a:extLst>
               </a:tr>
               <a:tr h="633923">
                 <a:tc>
@@ -5777,10 +5798,9 @@
                     <a:lstStyle/>
                     <a:p>
                       <a:r>
-                        <a:rPr lang="en-US" dirty="0" smtClean="0"/>
+                        <a:rPr lang="en-US" dirty="0"/>
                         <a:t>2014-15</a:t>
                       </a:r>
-                      <a:endParaRPr lang="en-US" dirty="0"/>
                     </a:p>
                   </a:txBody>
                   <a:tcPr anchor="ctr"/>
@@ -5792,10 +5812,9 @@
                     <a:p>
                       <a:pPr algn="ctr"/>
                       <a:r>
-                        <a:rPr lang="en-US" dirty="0" smtClean="0"/>
+                        <a:rPr lang="en-US" dirty="0"/>
                         <a:t>745</a:t>
                       </a:r>
-                      <a:endParaRPr lang="en-US" dirty="0"/>
                     </a:p>
                   </a:txBody>
                   <a:tcPr anchor="ctr"/>
@@ -5811,6 +5830,11 @@
                   </a:txBody>
                   <a:tcPr anchor="ctr"/>
                 </a:tc>
+                <a:extLst>
+                  <a:ext uri="{0D108BD9-81ED-4DB2-BD59-A6C34878D82A}">
+                    <a16:rowId xmlns:a16="http://schemas.microsoft.com/office/drawing/2014/main" val="10003"/>
+                  </a:ext>
+                </a:extLst>
               </a:tr>
               <a:tr h="765586">
                 <a:tc>
@@ -5819,10 +5843,9 @@
                     <a:lstStyle/>
                     <a:p>
                       <a:r>
-                        <a:rPr lang="en-US" dirty="0" smtClean="0"/>
+                        <a:rPr lang="en-US" dirty="0"/>
                         <a:t>2013-14</a:t>
                       </a:r>
-                      <a:endParaRPr lang="en-US" dirty="0"/>
                     </a:p>
                   </a:txBody>
                   <a:tcPr anchor="ctr"/>
@@ -5834,10 +5857,9 @@
                     <a:p>
                       <a:pPr algn="ctr"/>
                       <a:r>
-                        <a:rPr lang="en-US" dirty="0" smtClean="0"/>
+                        <a:rPr lang="en-US" dirty="0"/>
                         <a:t>1,697</a:t>
                       </a:r>
-                      <a:endParaRPr lang="en-US" dirty="0"/>
                     </a:p>
                   </a:txBody>
                   <a:tcPr anchor="ctr"/>
@@ -5853,6 +5875,451 @@
                   </a:txBody>
                   <a:tcPr anchor="ctr"/>
                 </a:tc>
+                <a:extLst>
+                  <a:ext uri="{0D108BD9-81ED-4DB2-BD59-A6C34878D82A}">
+                    <a16:rowId xmlns:a16="http://schemas.microsoft.com/office/drawing/2014/main" val="10004"/>
+                  </a:ext>
+                </a:extLst>
+              </a:tr>
+            </a:tbl>
+          </a:graphicData>
+        </a:graphic>
+      </p:graphicFrame>
+      <p:graphicFrame>
+        <p:nvGraphicFramePr>
+          <p:cNvPr id="8" name="Content Placeholder 6">
+            <a:extLst>
+              <a:ext uri="{FF2B5EF4-FFF2-40B4-BE49-F238E27FC236}">
+                <a16:creationId xmlns:a16="http://schemas.microsoft.com/office/drawing/2014/main" id="{ABA98B81-86CE-453F-B77A-3362618CACA7}"/>
+              </a:ext>
+            </a:extLst>
+          </p:cNvPr>
+          <p:cNvGraphicFramePr>
+            <a:graphicFrameLocks/>
+          </p:cNvGraphicFramePr>
+          <p:nvPr>
+            <p:extLst>
+              <p:ext uri="{D42A27DB-BD31-4B8C-83A1-F6EECF244321}">
+                <p14:modId xmlns:p14="http://schemas.microsoft.com/office/powerpoint/2010/main" val="1175463236"/>
+              </p:ext>
+            </p:extLst>
+          </p:nvPr>
+        </p:nvGraphicFramePr>
+        <p:xfrm>
+          <a:off x="5090160" y="1385890"/>
+          <a:ext cx="4366260" cy="4258472"/>
+        </p:xfrm>
+        <a:graphic>
+          <a:graphicData uri="http://schemas.openxmlformats.org/drawingml/2006/table">
+            <a:tbl>
+              <a:tblPr firstRow="1" bandRow="1">
+                <a:tableStyleId>{7DF18680-E054-41AD-8BC1-D1AEF772440D}</a:tableStyleId>
+              </a:tblPr>
+              <a:tblGrid>
+                <a:gridCol w="1357582">
+                  <a:extLst>
+                    <a:ext uri="{9D8B030D-6E8A-4147-A177-3AD203B41FA5}">
+                      <a16:colId xmlns:a16="http://schemas.microsoft.com/office/drawing/2014/main" val="20000"/>
+                    </a:ext>
+                  </a:extLst>
+                </a:gridCol>
+                <a:gridCol w="1504339">
+                  <a:extLst>
+                    <a:ext uri="{9D8B030D-6E8A-4147-A177-3AD203B41FA5}">
+                      <a16:colId xmlns:a16="http://schemas.microsoft.com/office/drawing/2014/main" val="20001"/>
+                    </a:ext>
+                  </a:extLst>
+                </a:gridCol>
+                <a:gridCol w="1504339">
+                  <a:extLst>
+                    <a:ext uri="{9D8B030D-6E8A-4147-A177-3AD203B41FA5}">
+                      <a16:colId xmlns:a16="http://schemas.microsoft.com/office/drawing/2014/main" val="20002"/>
+                    </a:ext>
+                  </a:extLst>
+                </a:gridCol>
+              </a:tblGrid>
+              <a:tr h="1189670">
+                <a:tc>
+                  <a:txBody>
+                    <a:bodyPr/>
+                    <a:lstStyle/>
+                    <a:p>
+                      <a:pPr lvl="0" algn="ctr"/>
+                      <a:r>
+                        <a:rPr lang="en-US" sz="1600" dirty="0"/>
+                        <a:t>FY</a:t>
+                      </a:r>
+                    </a:p>
+                  </a:txBody>
+                  <a:tcPr anchor="ctr"/>
+                </a:tc>
+                <a:tc>
+                  <a:txBody>
+                    <a:bodyPr/>
+                    <a:lstStyle/>
+                    <a:p>
+                      <a:pPr marL="0" marR="0" lvl="0" indent="0" algn="ctr" defTabSz="914400" rtl="0" eaLnBrk="1" fontAlgn="auto" latinLnBrk="0" hangingPunct="1">
+                        <a:lnSpc>
+                          <a:spcPct val="100000"/>
+                        </a:lnSpc>
+                        <a:spcBef>
+                          <a:spcPts val="0"/>
+                        </a:spcBef>
+                        <a:spcAft>
+                          <a:spcPts val="0"/>
+                        </a:spcAft>
+                        <a:buClrTx/>
+                        <a:buSzTx/>
+                        <a:buFontTx/>
+                        <a:buNone/>
+                        <a:tabLst/>
+                        <a:defRPr/>
+                      </a:pPr>
+                      <a:r>
+                        <a:rPr lang="en-US" sz="1600" dirty="0"/>
+                        <a:t>Total Households Newly Donated</a:t>
+                      </a:r>
+                    </a:p>
+                  </a:txBody>
+                  <a:tcPr anchor="ctr"/>
+                </a:tc>
+                <a:tc>
+                  <a:txBody>
+                    <a:bodyPr/>
+                    <a:lstStyle/>
+                    <a:p>
+                      <a:pPr marL="0" marR="0" lvl="0" indent="0" algn="ctr" defTabSz="914400" rtl="0" eaLnBrk="1" fontAlgn="auto" latinLnBrk="0" hangingPunct="1">
+                        <a:lnSpc>
+                          <a:spcPct val="100000"/>
+                        </a:lnSpc>
+                        <a:spcBef>
+                          <a:spcPts val="0"/>
+                        </a:spcBef>
+                        <a:spcAft>
+                          <a:spcPts val="0"/>
+                        </a:spcAft>
+                        <a:buClrTx/>
+                        <a:buSzTx/>
+                        <a:buFontTx/>
+                        <a:buNone/>
+                        <a:tabLst/>
+                        <a:defRPr/>
+                      </a:pPr>
+                      <a:r>
+                        <a:rPr lang="en-US" sz="1600" dirty="0"/>
+                        <a:t>Gave in subsequent years</a:t>
+                      </a:r>
+                    </a:p>
+                  </a:txBody>
+                  <a:tcPr anchor="ctr"/>
+                </a:tc>
+                <a:extLst>
+                  <a:ext uri="{0D108BD9-81ED-4DB2-BD59-A6C34878D82A}">
+                    <a16:rowId xmlns:a16="http://schemas.microsoft.com/office/drawing/2014/main" val="10000"/>
+                  </a:ext>
+                </a:extLst>
+              </a:tr>
+              <a:tr h="487680">
+                <a:tc>
+                  <a:txBody>
+                    <a:bodyPr/>
+                    <a:lstStyle/>
+                    <a:p>
+                      <a:pPr lvl="0" algn="l"/>
+                      <a:r>
+                        <a:rPr lang="en-US" sz="1800" kern="1200" dirty="0">
+                          <a:solidFill>
+                            <a:schemeClr val="dk1"/>
+                          </a:solidFill>
+                          <a:latin typeface="+mn-lt"/>
+                          <a:ea typeface="+mn-ea"/>
+                          <a:cs typeface="+mn-cs"/>
+                        </a:rPr>
+                        <a:t>2017-18</a:t>
+                      </a:r>
+                    </a:p>
+                  </a:txBody>
+                  <a:tcPr anchor="ctr"/>
+                </a:tc>
+                <a:tc>
+                  <a:txBody>
+                    <a:bodyPr/>
+                    <a:lstStyle/>
+                    <a:p>
+                      <a:pPr marL="0" marR="0" lvl="0" indent="0" algn="ctr" defTabSz="914400" rtl="0" eaLnBrk="1" fontAlgn="auto" latinLnBrk="0" hangingPunct="1">
+                        <a:lnSpc>
+                          <a:spcPct val="100000"/>
+                        </a:lnSpc>
+                        <a:spcBef>
+                          <a:spcPts val="0"/>
+                        </a:spcBef>
+                        <a:spcAft>
+                          <a:spcPts val="0"/>
+                        </a:spcAft>
+                        <a:buClrTx/>
+                        <a:buSzTx/>
+                        <a:buFontTx/>
+                        <a:buNone/>
+                        <a:tabLst/>
+                        <a:defRPr/>
+                      </a:pPr>
+                      <a:r>
+                        <a:rPr lang="en-US" sz="1800" kern="1200" dirty="0">
+                          <a:solidFill>
+                            <a:schemeClr val="dk1"/>
+                          </a:solidFill>
+                          <a:latin typeface="+mn-lt"/>
+                          <a:ea typeface="+mn-ea"/>
+                          <a:cs typeface="+mn-cs"/>
+                        </a:rPr>
+                        <a:t>88</a:t>
+                      </a:r>
+                    </a:p>
+                  </a:txBody>
+                  <a:tcPr anchor="ctr"/>
+                </a:tc>
+                <a:tc>
+                  <a:txBody>
+                    <a:bodyPr/>
+                    <a:lstStyle/>
+                    <a:p>
+                      <a:pPr marL="0" marR="0" lvl="0" indent="0" algn="ctr" defTabSz="914400" rtl="0" eaLnBrk="1" fontAlgn="auto" latinLnBrk="0" hangingPunct="1">
+                        <a:lnSpc>
+                          <a:spcPct val="100000"/>
+                        </a:lnSpc>
+                        <a:spcBef>
+                          <a:spcPts val="0"/>
+                        </a:spcBef>
+                        <a:spcAft>
+                          <a:spcPts val="0"/>
+                        </a:spcAft>
+                        <a:buClrTx/>
+                        <a:buSzTx/>
+                        <a:buFontTx/>
+                        <a:buNone/>
+                        <a:tabLst/>
+                        <a:defRPr/>
+                      </a:pPr>
+                      <a:r>
+                        <a:rPr lang="en-US" sz="1800" kern="1200">
+                          <a:solidFill>
+                            <a:schemeClr val="dk1"/>
+                          </a:solidFill>
+                          <a:latin typeface="+mn-lt"/>
+                          <a:ea typeface="+mn-ea"/>
+                          <a:cs typeface="+mn-cs"/>
+                        </a:rPr>
+                        <a:t>-</a:t>
+                      </a:r>
+                      <a:endParaRPr lang="en-US" sz="1800" kern="1200" dirty="0">
+                        <a:solidFill>
+                          <a:schemeClr val="dk1"/>
+                        </a:solidFill>
+                        <a:latin typeface="+mn-lt"/>
+                        <a:ea typeface="+mn-ea"/>
+                        <a:cs typeface="+mn-cs"/>
+                      </a:endParaRPr>
+                    </a:p>
+                  </a:txBody>
+                  <a:tcPr anchor="ctr"/>
+                </a:tc>
+                <a:extLst>
+                  <a:ext uri="{0D108BD9-81ED-4DB2-BD59-A6C34878D82A}">
+                    <a16:rowId xmlns:a16="http://schemas.microsoft.com/office/drawing/2014/main" val="3641652428"/>
+                  </a:ext>
+                </a:extLst>
+              </a:tr>
+              <a:tr h="547690">
+                <a:tc>
+                  <a:txBody>
+                    <a:bodyPr/>
+                    <a:lstStyle/>
+                    <a:p>
+                      <a:r>
+                        <a:rPr lang="en-US" dirty="0"/>
+                        <a:t>2016-17</a:t>
+                      </a:r>
+                    </a:p>
+                  </a:txBody>
+                  <a:tcPr anchor="ctr"/>
+                </a:tc>
+                <a:tc>
+                  <a:txBody>
+                    <a:bodyPr/>
+                    <a:lstStyle/>
+                    <a:p>
+                      <a:pPr algn="ctr"/>
+                      <a:r>
+                        <a:rPr lang="en-US" dirty="0"/>
+                        <a:t>713</a:t>
+                      </a:r>
+                    </a:p>
+                  </a:txBody>
+                  <a:tcPr anchor="ctr"/>
+                </a:tc>
+                <a:tc>
+                  <a:txBody>
+                    <a:bodyPr/>
+                    <a:lstStyle/>
+                    <a:p>
+                      <a:pPr algn="ctr"/>
+                      <a:r>
+                        <a:rPr lang="en-US" dirty="0"/>
+                        <a:t>63</a:t>
+                      </a:r>
+                    </a:p>
+                  </a:txBody>
+                  <a:tcPr anchor="ctr"/>
+                </a:tc>
+                <a:extLst>
+                  <a:ext uri="{0D108BD9-81ED-4DB2-BD59-A6C34878D82A}">
+                    <a16:rowId xmlns:a16="http://schemas.microsoft.com/office/drawing/2014/main" val="10001"/>
+                  </a:ext>
+                </a:extLst>
+              </a:tr>
+              <a:tr h="633923">
+                <a:tc>
+                  <a:txBody>
+                    <a:bodyPr/>
+                    <a:lstStyle/>
+                    <a:p>
+                      <a:r>
+                        <a:rPr lang="en-US" dirty="0"/>
+                        <a:t>2015-16</a:t>
+                      </a:r>
+                    </a:p>
+                  </a:txBody>
+                  <a:tcPr anchor="ctr"/>
+                </a:tc>
+                <a:tc>
+                  <a:txBody>
+                    <a:bodyPr/>
+                    <a:lstStyle/>
+                    <a:p>
+                      <a:pPr algn="ctr"/>
+                      <a:r>
+                        <a:rPr lang="en-US" dirty="0"/>
+                        <a:t>390</a:t>
+                      </a:r>
+                    </a:p>
+                  </a:txBody>
+                  <a:tcPr anchor="ctr"/>
+                </a:tc>
+                <a:tc>
+                  <a:txBody>
+                    <a:bodyPr/>
+                    <a:lstStyle/>
+                    <a:p>
+                      <a:pPr algn="ctr"/>
+                      <a:r>
+                        <a:rPr lang="en-US" dirty="0"/>
+                        <a:t>102</a:t>
+                      </a:r>
+                    </a:p>
+                  </a:txBody>
+                  <a:tcPr anchor="ctr"/>
+                </a:tc>
+                <a:extLst>
+                  <a:ext uri="{0D108BD9-81ED-4DB2-BD59-A6C34878D82A}">
+                    <a16:rowId xmlns:a16="http://schemas.microsoft.com/office/drawing/2014/main" val="10002"/>
+                  </a:ext>
+                </a:extLst>
+              </a:tr>
+              <a:tr h="633923">
+                <a:tc>
+                  <a:txBody>
+                    <a:bodyPr/>
+                    <a:lstStyle/>
+                    <a:p>
+                      <a:r>
+                        <a:rPr lang="en-US" dirty="0"/>
+                        <a:t>2014-15</a:t>
+                      </a:r>
+                    </a:p>
+                  </a:txBody>
+                  <a:tcPr anchor="ctr"/>
+                </a:tc>
+                <a:tc>
+                  <a:txBody>
+                    <a:bodyPr/>
+                    <a:lstStyle/>
+                    <a:p>
+                      <a:pPr algn="ctr"/>
+                      <a:r>
+                        <a:rPr lang="en-US" dirty="0"/>
+                        <a:t>639</a:t>
+                      </a:r>
+                    </a:p>
+                  </a:txBody>
+                  <a:tcPr anchor="ctr"/>
+                </a:tc>
+                <a:tc>
+                  <a:txBody>
+                    <a:bodyPr/>
+                    <a:lstStyle/>
+                    <a:p>
+                      <a:pPr algn="ctr"/>
+                      <a:r>
+                        <a:rPr lang="en-US" dirty="0"/>
+                        <a:t>136</a:t>
+                      </a:r>
+                    </a:p>
+                  </a:txBody>
+                  <a:tcPr anchor="ctr"/>
+                </a:tc>
+                <a:extLst>
+                  <a:ext uri="{0D108BD9-81ED-4DB2-BD59-A6C34878D82A}">
+                    <a16:rowId xmlns:a16="http://schemas.microsoft.com/office/drawing/2014/main" val="10003"/>
+                  </a:ext>
+                </a:extLst>
+              </a:tr>
+              <a:tr h="765586">
+                <a:tc>
+                  <a:txBody>
+                    <a:bodyPr/>
+                    <a:lstStyle/>
+                    <a:p>
+                      <a:r>
+                        <a:rPr lang="en-US" dirty="0"/>
+                        <a:t>2013-14</a:t>
+                      </a:r>
+                    </a:p>
+                  </a:txBody>
+                  <a:tcPr anchor="ctr"/>
+                </a:tc>
+                <a:tc>
+                  <a:txBody>
+                    <a:bodyPr/>
+                    <a:lstStyle/>
+                    <a:p>
+                      <a:pPr algn="ctr"/>
+                      <a:r>
+                        <a:rPr lang="en-US" dirty="0"/>
+                        <a:t>1,684</a:t>
+                      </a:r>
+                    </a:p>
+                  </a:txBody>
+                  <a:tcPr anchor="ctr"/>
+                </a:tc>
+                <a:tc>
+                  <a:txBody>
+                    <a:bodyPr/>
+                    <a:lstStyle/>
+                    <a:p>
+                      <a:pPr algn="ctr"/>
+                      <a:r>
+                        <a:rPr lang="en-US" dirty="0"/>
+                        <a:t>213</a:t>
+                      </a:r>
+                    </a:p>
+                  </a:txBody>
+                  <a:tcPr anchor="ctr"/>
+                </a:tc>
+                <a:extLst>
+                  <a:ext uri="{0D108BD9-81ED-4DB2-BD59-A6C34878D82A}">
+                    <a16:rowId xmlns:a16="http://schemas.microsoft.com/office/drawing/2014/main" val="10004"/>
+                  </a:ext>
+                </a:extLst>
               </a:tr>
             </a:tbl>
           </a:graphicData>
@@ -5904,10 +6371,9 @@
           <a:lstStyle/>
           <a:p>
             <a:r>
-              <a:rPr lang="en-US" dirty="0" smtClean="0"/>
+              <a:rPr lang="en-US" dirty="0"/>
               <a:t>Meetings and Yearly Giving</a:t>
             </a:r>
-            <a:endParaRPr lang="en-US" dirty="0"/>
           </a:p>
         </p:txBody>
       </p:sp>
@@ -5927,16 +6393,15 @@
           <a:lstStyle/>
           <a:p>
             <a:r>
-              <a:rPr lang="en-US" dirty="0" smtClean="0"/>
+              <a:rPr lang="en-US" dirty="0"/>
               <a:t>How many meetings were held?</a:t>
             </a:r>
           </a:p>
           <a:p>
             <a:r>
-              <a:rPr lang="en-US" dirty="0" smtClean="0"/>
+              <a:rPr lang="en-US" dirty="0"/>
               <a:t>Did people give more or less in number of transactions and total amount based on how many meetings they had?</a:t>
             </a:r>
-            <a:endParaRPr lang="en-US" dirty="0"/>
           </a:p>
         </p:txBody>
       </p:sp>
@@ -5957,7 +6422,7 @@
           <a:p>
             <a:fld id="{B655DE6F-1D24-DD4F-9C49-4AE21088CB41}" type="datetime1">
               <a:rPr lang="en-HK" smtClean="0"/>
-              <a:t>9/6/17</a:t>
+              <a:t>19/12/2017</a:t>
             </a:fld>
             <a:endParaRPr lang="en-US" dirty="0"/>
           </a:p>
@@ -5979,7 +6444,7 @@
           <a:lstStyle/>
           <a:p>
             <a:r>
-              <a:rPr lang="en-US" smtClean="0"/>
+              <a:rPr lang="en-US"/>
               <a:t> International Care Ministries </a:t>
             </a:r>
             <a:endParaRPr lang="en-US" dirty="0"/>
@@ -6061,10 +6526,9 @@
           <a:lstStyle/>
           <a:p>
             <a:r>
-              <a:rPr lang="en-US" dirty="0" smtClean="0"/>
+              <a:rPr lang="en-US" dirty="0"/>
               <a:t>Yearly Comparison</a:t>
             </a:r>
-            <a:endParaRPr lang="en-US" dirty="0"/>
           </a:p>
         </p:txBody>
       </p:sp>
@@ -6094,14 +6558,62 @@
                 <a:tableStyleId>{5C22544A-7EE6-4342-B048-85BDC9FD1C3A}</a:tableStyleId>
               </a:tblPr>
               <a:tblGrid>
-                <a:gridCol w="1093781"/>
-                <a:gridCol w="1384108"/>
-                <a:gridCol w="976761"/>
-                <a:gridCol w="1087762"/>
-                <a:gridCol w="1312173"/>
-                <a:gridCol w="733478"/>
-                <a:gridCol w="1228286"/>
-                <a:gridCol w="1018233"/>
+                <a:gridCol w="1093781">
+                  <a:extLst>
+                    <a:ext uri="{9D8B030D-6E8A-4147-A177-3AD203B41FA5}">
+                      <a16:colId xmlns:a16="http://schemas.microsoft.com/office/drawing/2014/main" val="20000"/>
+                    </a:ext>
+                  </a:extLst>
+                </a:gridCol>
+                <a:gridCol w="1384108">
+                  <a:extLst>
+                    <a:ext uri="{9D8B030D-6E8A-4147-A177-3AD203B41FA5}">
+                      <a16:colId xmlns:a16="http://schemas.microsoft.com/office/drawing/2014/main" val="20001"/>
+                    </a:ext>
+                  </a:extLst>
+                </a:gridCol>
+                <a:gridCol w="976761">
+                  <a:extLst>
+                    <a:ext uri="{9D8B030D-6E8A-4147-A177-3AD203B41FA5}">
+                      <a16:colId xmlns:a16="http://schemas.microsoft.com/office/drawing/2014/main" val="20002"/>
+                    </a:ext>
+                  </a:extLst>
+                </a:gridCol>
+                <a:gridCol w="1087762">
+                  <a:extLst>
+                    <a:ext uri="{9D8B030D-6E8A-4147-A177-3AD203B41FA5}">
+                      <a16:colId xmlns:a16="http://schemas.microsoft.com/office/drawing/2014/main" val="20003"/>
+                    </a:ext>
+                  </a:extLst>
+                </a:gridCol>
+                <a:gridCol w="1312173">
+                  <a:extLst>
+                    <a:ext uri="{9D8B030D-6E8A-4147-A177-3AD203B41FA5}">
+                      <a16:colId xmlns:a16="http://schemas.microsoft.com/office/drawing/2014/main" val="20004"/>
+                    </a:ext>
+                  </a:extLst>
+                </a:gridCol>
+                <a:gridCol w="733478">
+                  <a:extLst>
+                    <a:ext uri="{9D8B030D-6E8A-4147-A177-3AD203B41FA5}">
+                      <a16:colId xmlns:a16="http://schemas.microsoft.com/office/drawing/2014/main" val="20005"/>
+                    </a:ext>
+                  </a:extLst>
+                </a:gridCol>
+                <a:gridCol w="1228286">
+                  <a:extLst>
+                    <a:ext uri="{9D8B030D-6E8A-4147-A177-3AD203B41FA5}">
+                      <a16:colId xmlns:a16="http://schemas.microsoft.com/office/drawing/2014/main" val="20006"/>
+                    </a:ext>
+                  </a:extLst>
+                </a:gridCol>
+                <a:gridCol w="1018233">
+                  <a:extLst>
+                    <a:ext uri="{9D8B030D-6E8A-4147-A177-3AD203B41FA5}">
+                      <a16:colId xmlns:a16="http://schemas.microsoft.com/office/drawing/2014/main" val="20007"/>
+                    </a:ext>
+                  </a:extLst>
+                </a:gridCol>
               </a:tblGrid>
               <a:tr h="1586789">
                 <a:tc>
@@ -6111,7 +6623,7 @@
                     <a:p>
                       <a:pPr lvl="0" algn="ctr"/>
                       <a:r>
-                        <a:rPr lang="en-US" sz="1600" dirty="0" smtClean="0"/>
+                        <a:rPr lang="en-US" sz="1600" dirty="0"/>
                         <a:t>FY</a:t>
                       </a:r>
                     </a:p>
@@ -6125,25 +6637,25 @@
                     <a:p>
                       <a:pPr lvl="0" algn="ctr"/>
                       <a:r>
-                        <a:rPr lang="en-US" sz="1600" dirty="0" smtClean="0"/>
+                        <a:rPr lang="en-US" sz="1600" dirty="0"/>
                         <a:t>Donations</a:t>
                       </a:r>
                       <a:r>
-                        <a:rPr lang="en-US" sz="1600" baseline="0" dirty="0" smtClean="0"/>
+                        <a:rPr lang="en-US" sz="1600" baseline="0" dirty="0"/>
                         <a:t> </a:t>
                       </a:r>
                     </a:p>
                     <a:p>
                       <a:pPr lvl="0" algn="ctr"/>
                       <a:r>
-                        <a:rPr lang="en-US" sz="1600" baseline="0" dirty="0" smtClean="0"/>
+                        <a:rPr lang="en-US" sz="1600" baseline="0" dirty="0"/>
                         <a:t>From Individuals</a:t>
                       </a:r>
                     </a:p>
                     <a:p>
                       <a:pPr lvl="0" algn="ctr"/>
                       <a:r>
-                        <a:rPr lang="en-US" sz="1600" baseline="0" dirty="0" smtClean="0"/>
+                        <a:rPr lang="en-US" sz="1600" baseline="0" dirty="0"/>
                         <a:t>HK$</a:t>
                       </a:r>
                       <a:endParaRPr lang="en-US" sz="1600" dirty="0"/>
@@ -6158,11 +6670,11 @@
                     <a:p>
                       <a:pPr lvl="0" algn="ctr"/>
                       <a:r>
-                        <a:rPr lang="en-US" sz="1600" dirty="0" smtClean="0"/>
+                        <a:rPr lang="en-US" sz="1600" dirty="0"/>
                         <a:t>Average</a:t>
                       </a:r>
                       <a:r>
-                        <a:rPr lang="en-US" sz="1600" baseline="0" dirty="0" smtClean="0"/>
+                        <a:rPr lang="en-US" sz="1600" baseline="0" dirty="0"/>
                         <a:t> Amount/ Household</a:t>
                       </a:r>
                       <a:endParaRPr lang="en-US" sz="1600" dirty="0"/>
@@ -6177,14 +6689,14 @@
                     <a:p>
                       <a:pPr lvl="0" algn="ctr"/>
                       <a:r>
-                        <a:rPr lang="en-US" sz="1600" dirty="0" smtClean="0"/>
+                        <a:rPr lang="en-US" sz="1600" dirty="0"/>
                         <a:t>Total # of</a:t>
                       </a:r>
                     </a:p>
                     <a:p>
                       <a:pPr lvl="0" algn="ctr"/>
                       <a:r>
-                        <a:rPr lang="en-US" sz="1600" dirty="0" smtClean="0"/>
+                        <a:rPr lang="en-US" sz="1600" dirty="0"/>
                         <a:t>Individual Contacts</a:t>
                       </a:r>
                     </a:p>
@@ -6198,11 +6710,11 @@
                     <a:p>
                       <a:pPr lvl="0" algn="ctr"/>
                       <a:r>
-                        <a:rPr lang="en-US" sz="1600" dirty="0" smtClean="0"/>
+                        <a:rPr lang="en-US" sz="1600" dirty="0"/>
                         <a:t>Current</a:t>
                       </a:r>
                       <a:r>
-                        <a:rPr lang="en-US" sz="1600" baseline="0" dirty="0" smtClean="0"/>
+                        <a:rPr lang="en-US" sz="1600" baseline="0" dirty="0"/>
                         <a:t> Year Active Households</a:t>
                       </a:r>
                       <a:endParaRPr lang="en-US" sz="1600" dirty="0"/>
@@ -6233,10 +6745,9 @@
                         <a:defRPr/>
                       </a:pPr>
                       <a:r>
-                        <a:rPr lang="en-US" sz="1600" dirty="0" smtClean="0"/>
+                        <a:rPr lang="en-US" sz="1600" dirty="0"/>
                         <a:t>Total Households</a:t>
                       </a:r>
-                      <a:endParaRPr lang="en-US" sz="1600" dirty="0"/>
                     </a:p>
                   </a:txBody>
                   <a:tcPr anchor="ctr"/>
@@ -6264,10 +6775,9 @@
                         <a:defRPr/>
                       </a:pPr>
                       <a:r>
-                        <a:rPr lang="en-US" sz="1600" dirty="0" smtClean="0"/>
+                        <a:rPr lang="en-US" sz="1600" dirty="0"/>
                         <a:t>Total Households Newly Donated</a:t>
                       </a:r>
-                      <a:endParaRPr lang="en-US" sz="1600" dirty="0"/>
                     </a:p>
                   </a:txBody>
                   <a:tcPr anchor="ctr"/>
@@ -6279,13 +6789,18 @@
                     <a:p>
                       <a:pPr lvl="0" algn="ctr"/>
                       <a:r>
-                        <a:rPr lang="en-US" sz="1600" dirty="0" smtClean="0"/>
+                        <a:rPr lang="en-US" sz="1600" dirty="0"/>
                         <a:t>Previous Donor Household Drop-off</a:t>
                       </a:r>
                     </a:p>
                   </a:txBody>
                   <a:tcPr anchor="ctr"/>
                 </a:tc>
+                <a:extLst>
+                  <a:ext uri="{0D108BD9-81ED-4DB2-BD59-A6C34878D82A}">
+                    <a16:rowId xmlns:a16="http://schemas.microsoft.com/office/drawing/2014/main" val="10000"/>
+                  </a:ext>
+                </a:extLst>
               </a:tr>
               <a:tr h="1153249">
                 <a:tc>
@@ -6294,10 +6809,9 @@
                     <a:lstStyle/>
                     <a:p>
                       <a:r>
-                        <a:rPr lang="en-US" dirty="0" smtClean="0"/>
+                        <a:rPr lang="en-US" dirty="0"/>
                         <a:t>2016-17</a:t>
                       </a:r>
-                      <a:endParaRPr lang="en-US" dirty="0"/>
                     </a:p>
                   </a:txBody>
                   <a:tcPr anchor="ctr"/>
@@ -6309,7 +6823,7 @@
                     <a:p>
                       <a:pPr algn="ctr"/>
                       <a:r>
-                        <a:rPr lang="en-US" sz="1800" b="1" i="0" kern="1200" dirty="0" smtClean="0">
+                        <a:rPr lang="en-US" sz="1800" b="1" i="0" kern="1200" dirty="0">
                           <a:solidFill>
                             <a:schemeClr val="dk1"/>
                           </a:solidFill>
@@ -6332,7 +6846,7 @@
                     <a:p>
                       <a:pPr algn="ctr"/>
                       <a:r>
-                        <a:rPr lang="en-US" sz="1800" b="1" i="0" kern="1200" dirty="0" smtClean="0">
+                        <a:rPr lang="en-US" sz="1800" b="1" i="0" kern="1200" dirty="0">
                           <a:solidFill>
                             <a:schemeClr val="dk1"/>
                           </a:solidFill>
@@ -6355,10 +6869,9 @@
                     <a:p>
                       <a:pPr algn="ctr"/>
                       <a:r>
-                        <a:rPr lang="en-US" dirty="0" smtClean="0"/>
+                        <a:rPr lang="en-US" dirty="0"/>
                         <a:t>16,428</a:t>
                       </a:r>
-                      <a:endParaRPr lang="en-US" dirty="0"/>
                     </a:p>
                   </a:txBody>
                   <a:tcPr anchor="ctr"/>
@@ -6370,10 +6883,9 @@
                     <a:p>
                       <a:pPr algn="ctr"/>
                       <a:r>
-                        <a:rPr lang="en-US" dirty="0" smtClean="0"/>
+                        <a:rPr lang="en-US" dirty="0"/>
                         <a:t>1,204</a:t>
                       </a:r>
-                      <a:endParaRPr lang="en-US" dirty="0"/>
                     </a:p>
                   </a:txBody>
                   <a:tcPr anchor="ctr"/>
@@ -6396,10 +6908,9 @@
                     <a:p>
                       <a:pPr algn="ctr"/>
                       <a:r>
-                        <a:rPr lang="en-US" dirty="0" smtClean="0"/>
+                        <a:rPr lang="en-US" dirty="0"/>
                         <a:t>856</a:t>
                       </a:r>
-                      <a:endParaRPr lang="en-US" dirty="0"/>
                     </a:p>
                   </a:txBody>
                   <a:tcPr anchor="ctr"/>
@@ -6411,14 +6922,18 @@
                     <a:p>
                       <a:pPr algn="ctr"/>
                       <a:r>
-                        <a:rPr lang="en-US" dirty="0" smtClean="0"/>
+                        <a:rPr lang="en-US" dirty="0"/>
                         <a:t>392 (year not over)</a:t>
                       </a:r>
-                      <a:endParaRPr lang="en-US" dirty="0"/>
                     </a:p>
                   </a:txBody>
                   <a:tcPr anchor="ctr"/>
                 </a:tc>
+                <a:extLst>
+                  <a:ext uri="{0D108BD9-81ED-4DB2-BD59-A6C34878D82A}">
+                    <a16:rowId xmlns:a16="http://schemas.microsoft.com/office/drawing/2014/main" val="10001"/>
+                  </a:ext>
+                </a:extLst>
               </a:tr>
               <a:tr h="627011">
                 <a:tc>
@@ -6427,10 +6942,9 @@
                     <a:lstStyle/>
                     <a:p>
                       <a:r>
-                        <a:rPr lang="en-US" dirty="0" smtClean="0"/>
+                        <a:rPr lang="en-US" dirty="0"/>
                         <a:t>2015-16</a:t>
                       </a:r>
-                      <a:endParaRPr lang="en-US" dirty="0"/>
                     </a:p>
                   </a:txBody>
                   <a:tcPr anchor="ctr"/>
@@ -6442,7 +6956,7 @@
                     <a:p>
                       <a:pPr algn="ctr"/>
                       <a:r>
-                        <a:rPr lang="en-US" sz="1800" b="1" i="0" kern="1200" dirty="0" smtClean="0">
+                        <a:rPr lang="en-US" sz="1800" b="1" i="0" kern="1200" dirty="0">
                           <a:solidFill>
                             <a:schemeClr val="dk1"/>
                           </a:solidFill>
@@ -6465,7 +6979,7 @@
                     <a:p>
                       <a:pPr algn="ctr"/>
                       <a:r>
-                        <a:rPr lang="en-US" sz="1800" b="1" i="0" kern="1200" dirty="0" smtClean="0">
+                        <a:rPr lang="en-US" sz="1800" b="1" i="0" kern="1200" dirty="0">
                           <a:solidFill>
                             <a:schemeClr val="dk1"/>
                           </a:solidFill>
@@ -6488,10 +7002,9 @@
                     <a:p>
                       <a:pPr algn="ctr"/>
                       <a:r>
-                        <a:rPr lang="en-US" dirty="0" smtClean="0"/>
+                        <a:rPr lang="en-US" dirty="0"/>
                         <a:t>14,297</a:t>
                       </a:r>
-                      <a:endParaRPr lang="en-US" dirty="0"/>
                     </a:p>
                   </a:txBody>
                   <a:tcPr anchor="ctr"/>
@@ -6503,10 +7016,9 @@
                     <a:p>
                       <a:pPr algn="ctr"/>
                       <a:r>
-                        <a:rPr lang="en-US" dirty="0" smtClean="0"/>
+                        <a:rPr lang="en-US" dirty="0"/>
                         <a:t>852</a:t>
                       </a:r>
-                      <a:endParaRPr lang="en-US" dirty="0"/>
                     </a:p>
                   </a:txBody>
                   <a:tcPr anchor="ctr"/>
@@ -6529,10 +7041,9 @@
                     <a:p>
                       <a:pPr algn="ctr"/>
                       <a:r>
-                        <a:rPr lang="en-US" dirty="0" smtClean="0"/>
+                        <a:rPr lang="en-US" dirty="0"/>
                         <a:t>505</a:t>
                       </a:r>
-                      <a:endParaRPr lang="en-US" dirty="0"/>
                     </a:p>
                   </a:txBody>
                   <a:tcPr anchor="ctr"/>
@@ -6544,14 +7055,18 @@
                     <a:p>
                       <a:pPr algn="ctr"/>
                       <a:r>
-                        <a:rPr lang="en-US" dirty="0" smtClean="0"/>
+                        <a:rPr lang="en-US" dirty="0"/>
                         <a:t>572</a:t>
                       </a:r>
-                      <a:endParaRPr lang="en-US" dirty="0"/>
                     </a:p>
                   </a:txBody>
                   <a:tcPr anchor="ctr"/>
                 </a:tc>
+                <a:extLst>
+                  <a:ext uri="{0D108BD9-81ED-4DB2-BD59-A6C34878D82A}">
+                    <a16:rowId xmlns:a16="http://schemas.microsoft.com/office/drawing/2014/main" val="10002"/>
+                  </a:ext>
+                </a:extLst>
               </a:tr>
               <a:tr h="627011">
                 <a:tc>
@@ -6560,10 +7075,9 @@
                     <a:lstStyle/>
                     <a:p>
                       <a:r>
-                        <a:rPr lang="en-US" dirty="0" smtClean="0"/>
+                        <a:rPr lang="en-US" dirty="0"/>
                         <a:t>2014-15</a:t>
                       </a:r>
-                      <a:endParaRPr lang="en-US" dirty="0"/>
                     </a:p>
                   </a:txBody>
                   <a:tcPr anchor="ctr"/>
@@ -6575,7 +7089,7 @@
                     <a:p>
                       <a:pPr algn="ctr"/>
                       <a:r>
-                        <a:rPr lang="en-US" sz="1800" b="1" i="0" kern="1200" dirty="0" smtClean="0">
+                        <a:rPr lang="en-US" sz="1800" b="1" i="0" kern="1200" dirty="0">
                           <a:solidFill>
                             <a:schemeClr val="dk1"/>
                           </a:solidFill>
@@ -6598,7 +7112,7 @@
                     <a:p>
                       <a:pPr algn="ctr"/>
                       <a:r>
-                        <a:rPr lang="en-US" sz="1800" b="1" i="0" kern="1200" dirty="0" smtClean="0">
+                        <a:rPr lang="en-US" sz="1800" b="1" i="0" kern="1200" dirty="0">
                           <a:solidFill>
                             <a:schemeClr val="dk1"/>
                           </a:solidFill>
@@ -6621,10 +7135,9 @@
                     <a:p>
                       <a:pPr algn="ctr"/>
                       <a:r>
-                        <a:rPr lang="en-US" dirty="0" smtClean="0"/>
+                        <a:rPr lang="en-US" dirty="0"/>
                         <a:t>12,379</a:t>
                       </a:r>
-                      <a:endParaRPr lang="en-US" dirty="0"/>
                     </a:p>
                   </a:txBody>
                   <a:tcPr anchor="ctr"/>
@@ -6636,10 +7149,9 @@
                     <a:p>
                       <a:pPr algn="ctr"/>
                       <a:r>
-                        <a:rPr lang="en-US" dirty="0" smtClean="0"/>
+                        <a:rPr lang="en-US" dirty="0"/>
                         <a:t>1,097</a:t>
                       </a:r>
-                      <a:endParaRPr lang="en-US" dirty="0"/>
                     </a:p>
                   </a:txBody>
                   <a:tcPr anchor="ctr"/>
@@ -6662,10 +7174,9 @@
                     <a:p>
                       <a:pPr algn="ctr"/>
                       <a:r>
-                        <a:rPr lang="en-US" dirty="0" smtClean="0"/>
+                        <a:rPr lang="en-US" dirty="0"/>
                         <a:t>745</a:t>
                       </a:r>
-                      <a:endParaRPr lang="en-US" dirty="0"/>
                     </a:p>
                   </a:txBody>
                   <a:tcPr anchor="ctr"/>
@@ -6677,14 +7188,18 @@
                     <a:p>
                       <a:pPr algn="ctr"/>
                       <a:r>
-                        <a:rPr lang="en-US" dirty="0" smtClean="0"/>
+                        <a:rPr lang="en-US" dirty="0"/>
                         <a:t>1,402</a:t>
                       </a:r>
-                      <a:endParaRPr lang="en-US" dirty="0"/>
                     </a:p>
                   </a:txBody>
                   <a:tcPr anchor="ctr"/>
                 </a:tc>
+                <a:extLst>
+                  <a:ext uri="{0D108BD9-81ED-4DB2-BD59-A6C34878D82A}">
+                    <a16:rowId xmlns:a16="http://schemas.microsoft.com/office/drawing/2014/main" val="10003"/>
+                  </a:ext>
+                </a:extLst>
               </a:tr>
               <a:tr h="895730">
                 <a:tc>
@@ -6693,10 +7208,9 @@
                     <a:lstStyle/>
                     <a:p>
                       <a:r>
-                        <a:rPr lang="en-US" dirty="0" smtClean="0"/>
+                        <a:rPr lang="en-US" dirty="0"/>
                         <a:t>2013-14</a:t>
                       </a:r>
-                      <a:endParaRPr lang="en-US" dirty="0"/>
                     </a:p>
                   </a:txBody>
                   <a:tcPr anchor="ctr"/>
@@ -6708,7 +7222,7 @@
                     <a:p>
                       <a:pPr algn="ctr"/>
                       <a:r>
-                        <a:rPr lang="en-US" sz="1800" b="1" i="0" kern="1200" dirty="0" smtClean="0">
+                        <a:rPr lang="en-US" sz="1800" b="1" i="0" kern="1200" dirty="0">
                           <a:solidFill>
                             <a:schemeClr val="dk1"/>
                           </a:solidFill>
@@ -6730,20 +7244,8 @@
                     <a:lstStyle/>
                     <a:p>
                       <a:pPr algn="ctr"/>
-                      <a:r>
-                        <a:rPr lang="en-US" sz="1800" b="1" i="0" kern="1200" dirty="0" smtClean="0">
-                          <a:solidFill>
-                            <a:schemeClr val="dk1"/>
-                          </a:solidFill>
-                          <a:effectLst/>
-                          <a:latin typeface="+mn-lt"/>
-                          <a:ea typeface="+mn-ea"/>
-                          <a:cs typeface="+mn-cs"/>
-                        </a:rPr>
-                        <a:t/>
-                      </a:r>
                       <a:br>
-                        <a:rPr lang="en-US" sz="1800" b="1" i="0" kern="1200" dirty="0" smtClean="0">
+                        <a:rPr lang="en-US" sz="1800" b="1" i="0" kern="1200" dirty="0">
                           <a:solidFill>
                             <a:schemeClr val="dk1"/>
                           </a:solidFill>
@@ -6754,7 +7256,7 @@
                         </a:rPr>
                       </a:br>
                       <a:r>
-                        <a:rPr lang="en-US" sz="1800" b="1" i="0" kern="1200" dirty="0" smtClean="0">
+                        <a:rPr lang="en-US" sz="1800" b="1" i="0" kern="1200" dirty="0">
                           <a:solidFill>
                             <a:schemeClr val="dk1"/>
                           </a:solidFill>
@@ -6766,7 +7268,7 @@
                         <a:t>$14,326</a:t>
                       </a:r>
                       <a:br>
-                        <a:rPr lang="en-US" sz="1800" b="1" i="0" kern="1200" dirty="0" smtClean="0">
+                        <a:rPr lang="en-US" sz="1800" b="1" i="0" kern="1200" dirty="0">
                           <a:solidFill>
                             <a:schemeClr val="dk1"/>
                           </a:solidFill>
@@ -6788,10 +7290,9 @@
                     <a:p>
                       <a:pPr algn="ctr"/>
                       <a:r>
-                        <a:rPr lang="en-US" dirty="0" smtClean="0"/>
+                        <a:rPr lang="en-US" dirty="0"/>
                         <a:t>10,264</a:t>
                       </a:r>
-                      <a:endParaRPr lang="en-US" dirty="0"/>
                     </a:p>
                   </a:txBody>
                   <a:tcPr anchor="ctr"/>
@@ -6803,10 +7304,9 @@
                     <a:p>
                       <a:pPr algn="ctr"/>
                       <a:r>
-                        <a:rPr lang="en-US" dirty="0" smtClean="0"/>
+                        <a:rPr lang="en-US" dirty="0"/>
                         <a:t>2,194</a:t>
                       </a:r>
-                      <a:endParaRPr lang="en-US" dirty="0"/>
                     </a:p>
                   </a:txBody>
                   <a:tcPr anchor="ctr"/>
@@ -6829,10 +7329,9 @@
                     <a:p>
                       <a:pPr algn="ctr"/>
                       <a:r>
-                        <a:rPr lang="en-US" dirty="0" smtClean="0"/>
+                        <a:rPr lang="en-US" dirty="0"/>
                         <a:t>1,697</a:t>
                       </a:r>
-                      <a:endParaRPr lang="en-US" dirty="0"/>
                     </a:p>
                   </a:txBody>
                   <a:tcPr anchor="ctr"/>
@@ -6843,15 +7342,11 @@
                     <a:lstStyle/>
                     <a:p>
                       <a:pPr algn="ctr"/>
-                      <a:r>
-                        <a:rPr lang="en-US" dirty="0" smtClean="0"/>
-                        <a:t/>
-                      </a:r>
                       <a:br>
-                        <a:rPr lang="en-US" dirty="0" smtClean="0"/>
+                        <a:rPr lang="en-US" dirty="0"/>
                       </a:br>
                       <a:r>
-                        <a:rPr lang="en-US" dirty="0" smtClean="0"/>
+                        <a:rPr lang="en-US" dirty="0"/>
                         <a:t>434</a:t>
                       </a:r>
                     </a:p>
@@ -6862,6 +7357,11 @@
                   </a:txBody>
                   <a:tcPr anchor="ctr"/>
                 </a:tc>
+                <a:extLst>
+                  <a:ext uri="{0D108BD9-81ED-4DB2-BD59-A6C34878D82A}">
+                    <a16:rowId xmlns:a16="http://schemas.microsoft.com/office/drawing/2014/main" val="10004"/>
+                  </a:ext>
+                </a:extLst>
               </a:tr>
             </a:tbl>
           </a:graphicData>
@@ -6884,7 +7384,7 @@
           <a:p>
             <a:fld id="{B655DE6F-1D24-DD4F-9C49-4AE21088CB41}" type="datetime1">
               <a:rPr lang="en-HK" smtClean="0"/>
-              <a:t>9/6/17</a:t>
+              <a:t>19/12/2017</a:t>
             </a:fld>
             <a:endParaRPr lang="en-US" dirty="0"/>
           </a:p>
@@ -6906,7 +7406,7 @@
           <a:lstStyle/>
           <a:p>
             <a:r>
-              <a:rPr lang="en-US" smtClean="0"/>
+              <a:rPr lang="en-US"/>
               <a:t> International Care Ministries </a:t>
             </a:r>
             <a:endParaRPr lang="en-US" dirty="0"/>
@@ -6947,13 +7447,6 @@
   <p:clrMapOvr>
     <a:masterClrMapping/>
   </p:clrMapOvr>
-  <p:timing>
-    <p:tnLst>
-      <p:par>
-        <p:cTn xmlns:p14="http://schemas.microsoft.com/office/powerpoint/2010/main" id="1" dur="indefinite" restart="never" nodeType="tmRoot"/>
-      </p:par>
-    </p:tnLst>
-  </p:timing>
 </p:sld>
 </file>
 
@@ -6990,26 +7483,9 @@
           <a:lstStyle/>
           <a:p>
             <a:r>
-              <a:rPr lang="en-US" dirty="0" smtClean="0"/>
-              <a:t>Individual Donations </a:t>
-            </a:r>
-            <a:r>
               <a:rPr lang="en-US" dirty="0"/>
-              <a:t>O</a:t>
-            </a:r>
-            <a:r>
-              <a:rPr lang="en-US" dirty="0" smtClean="0"/>
-              <a:t>ver </a:t>
-            </a:r>
-            <a:r>
-              <a:rPr lang="en-US" dirty="0"/>
-              <a:t>T</a:t>
-            </a:r>
-            <a:r>
-              <a:rPr lang="en-US" dirty="0" smtClean="0"/>
-              <a:t>ime</a:t>
-            </a:r>
-            <a:endParaRPr lang="en-US" dirty="0"/>
+              <a:t>Individual Donations Over Time</a:t>
+            </a:r>
           </a:p>
         </p:txBody>
       </p:sp>
@@ -7030,7 +7506,7 @@
           <a:p>
             <a:fld id="{B655DE6F-1D24-DD4F-9C49-4AE21088CB41}" type="datetime1">
               <a:rPr lang="en-HK" smtClean="0"/>
-              <a:t>9/6/17</a:t>
+              <a:t>19/12/2017</a:t>
             </a:fld>
             <a:endParaRPr lang="en-US" dirty="0"/>
           </a:p>
@@ -7052,7 +7528,7 @@
           <a:lstStyle/>
           <a:p>
             <a:r>
-              <a:rPr lang="en-US" smtClean="0"/>
+              <a:rPr lang="en-US"/>
               <a:t> International Care Ministries </a:t>
             </a:r>
             <a:endParaRPr lang="en-US" dirty="0"/>
@@ -7123,13 +7599,6 @@
   <p:clrMapOvr>
     <a:masterClrMapping/>
   </p:clrMapOvr>
-  <p:timing>
-    <p:tnLst>
-      <p:par>
-        <p:cTn xmlns:p14="http://schemas.microsoft.com/office/powerpoint/2010/main" id="1" dur="indefinite" restart="never" nodeType="tmRoot"/>
-      </p:par>
-    </p:tnLst>
-  </p:timing>
 </p:sld>
 </file>
 
@@ -7171,10 +7640,9 @@
           <a:lstStyle/>
           <a:p>
             <a:r>
-              <a:rPr lang="en-US" dirty="0" smtClean="0"/>
+              <a:rPr lang="en-US" dirty="0"/>
               <a:t>Donor Relations Portfolios</a:t>
             </a:r>
-            <a:endParaRPr lang="en-US" dirty="0"/>
           </a:p>
         </p:txBody>
       </p:sp>
@@ -7195,7 +7663,7 @@
           <a:p>
             <a:fld id="{B655DE6F-1D24-DD4F-9C49-4AE21088CB41}" type="datetime1">
               <a:rPr lang="en-HK" smtClean="0"/>
-              <a:t>9/6/17</a:t>
+              <a:t>19/12/2017</a:t>
             </a:fld>
             <a:endParaRPr lang="en-US" dirty="0"/>
           </a:p>
@@ -7217,7 +7685,7 @@
           <a:lstStyle/>
           <a:p>
             <a:r>
-              <a:rPr lang="en-US" smtClean="0"/>
+              <a:rPr lang="en-US"/>
               <a:t> International Care Ministries </a:t>
             </a:r>
             <a:endParaRPr lang="en-US" dirty="0"/>
@@ -7288,13 +7756,6 @@
   <p:clrMapOvr>
     <a:masterClrMapping/>
   </p:clrMapOvr>
-  <p:timing>
-    <p:tnLst>
-      <p:par>
-        <p:cTn xmlns:p14="http://schemas.microsoft.com/office/powerpoint/2010/main" id="1" dur="indefinite" restart="never" nodeType="tmRoot"/>
-      </p:par>
-    </p:tnLst>
-  </p:timing>
 </p:sld>
 </file>
 
@@ -7336,10 +7797,9 @@
           <a:lstStyle/>
           <a:p>
             <a:r>
-              <a:rPr lang="en-US" dirty="0" smtClean="0"/>
+              <a:rPr lang="en-US" dirty="0"/>
               <a:t>Donations without Donor Managers</a:t>
             </a:r>
-            <a:endParaRPr lang="en-US" dirty="0"/>
           </a:p>
         </p:txBody>
       </p:sp>
@@ -7360,7 +7820,7 @@
           <a:p>
             <a:fld id="{B655DE6F-1D24-DD4F-9C49-4AE21088CB41}" type="datetime1">
               <a:rPr lang="en-HK" smtClean="0"/>
-              <a:t>9/6/17</a:t>
+              <a:t>19/12/2017</a:t>
             </a:fld>
             <a:endParaRPr lang="en-US" dirty="0"/>
           </a:p>
@@ -7382,7 +7842,7 @@
           <a:lstStyle/>
           <a:p>
             <a:r>
-              <a:rPr lang="en-US" smtClean="0"/>
+              <a:rPr lang="en-US"/>
               <a:t> International Care Ministries </a:t>
             </a:r>
             <a:endParaRPr lang="en-US" dirty="0"/>
@@ -7447,13 +7907,6 @@
   <p:clrMapOvr>
     <a:masterClrMapping/>
   </p:clrMapOvr>
-  <p:timing>
-    <p:tnLst>
-      <p:par>
-        <p:cTn xmlns:p14="http://schemas.microsoft.com/office/powerpoint/2010/main" id="1" dur="indefinite" restart="never" nodeType="tmRoot"/>
-      </p:par>
-    </p:tnLst>
-  </p:timing>
 </p:sld>
 </file>
 
@@ -7490,10 +7943,9 @@
           <a:lstStyle/>
           <a:p>
             <a:r>
-              <a:rPr lang="en-US" dirty="0" smtClean="0"/>
+              <a:rPr lang="en-US" dirty="0"/>
               <a:t>Households that gave only once</a:t>
             </a:r>
-            <a:endParaRPr lang="en-US" dirty="0"/>
           </a:p>
         </p:txBody>
       </p:sp>
@@ -7514,7 +7966,7 @@
           <a:p>
             <a:fld id="{B655DE6F-1D24-DD4F-9C49-4AE21088CB41}" type="datetime1">
               <a:rPr lang="en-HK" smtClean="0"/>
-              <a:t>9/6/17</a:t>
+              <a:t>19/12/2017</a:t>
             </a:fld>
             <a:endParaRPr lang="en-US" dirty="0"/>
           </a:p>
@@ -7536,7 +7988,7 @@
           <a:lstStyle/>
           <a:p>
             <a:r>
-              <a:rPr lang="en-US" smtClean="0"/>
+              <a:rPr lang="en-US"/>
               <a:t> International Care Ministries </a:t>
             </a:r>
             <a:endParaRPr lang="en-US" dirty="0"/>
@@ -7601,13 +8053,6 @@
   <p:clrMapOvr>
     <a:masterClrMapping/>
   </p:clrMapOvr>
-  <p:timing>
-    <p:tnLst>
-      <p:par>
-        <p:cTn xmlns:p14="http://schemas.microsoft.com/office/powerpoint/2010/main" id="1" dur="indefinite" restart="never" nodeType="tmRoot"/>
-      </p:par>
-    </p:tnLst>
-  </p:timing>
 </p:sld>
 </file>
 
@@ -7866,7 +8311,7 @@
   <a:extraClrSchemeLst/>
   <a:extLst>
     <a:ext uri="{05A4C25C-085E-4340-85A3-A5531E510DB2}">
-      <thm15:themeFamily xmlns:thm15="http://schemas.microsoft.com/office/thememl/2012/main" xmlns="" name="Office Theme" id="{62F939B6-93AF-4DB8-9C6B-D6C7DFDC589F}" vid="{AE6F2518-B084-4896-AF52-66CC2144AA26}"/>
+      <thm15:themeFamily xmlns:thm15="http://schemas.microsoft.com/office/thememl/2012/main" name="Office Theme" id="{62F939B6-93AF-4DB8-9C6B-D6C7DFDC589F}" vid="{AE6F2518-B084-4896-AF52-66CC2144AA26}"/>
     </a:ext>
   </a:extLst>
 </a:theme>
@@ -8127,7 +8572,7 @@
   <a:extraClrSchemeLst/>
   <a:extLst>
     <a:ext uri="{05A4C25C-085E-4340-85A3-A5531E510DB2}">
-      <thm15:themeFamily xmlns:thm15="http://schemas.microsoft.com/office/thememl/2012/main" xmlns="" name="Office Theme" id="{62F939B6-93AF-4DB8-9C6B-D6C7DFDC589F}" vid="{4A3C46E8-61CC-4603-A589-7422A47A8E4A}"/>
+      <thm15:themeFamily xmlns:thm15="http://schemas.microsoft.com/office/thememl/2012/main" name="Office Theme" id="{62F939B6-93AF-4DB8-9C6B-D6C7DFDC589F}" vid="{4A3C46E8-61CC-4603-A589-7422A47A8E4A}"/>
     </a:ext>
   </a:extLst>
 </a:theme>
